--- a/slides/Session 03 - Introducing Python/Session 03 - Introducing Python.pptx
+++ b/slides/Session 03 - Introducing Python/Session 03 - Introducing Python.pptx
@@ -57,13 +57,13 @@
     <p:sldId id="942" r:id="rId45"/>
     <p:sldId id="941" r:id="rId46"/>
     <p:sldId id="993" r:id="rId47"/>
-    <p:sldId id="995" r:id="rId48"/>
-    <p:sldId id="944" r:id="rId49"/>
-    <p:sldId id="943" r:id="rId50"/>
-    <p:sldId id="945" r:id="rId51"/>
-    <p:sldId id="994" r:id="rId52"/>
-    <p:sldId id="416" r:id="rId53"/>
-    <p:sldId id="996" r:id="rId54"/>
+    <p:sldId id="416" r:id="rId48"/>
+    <p:sldId id="996" r:id="rId49"/>
+    <p:sldId id="995" r:id="rId50"/>
+    <p:sldId id="944" r:id="rId51"/>
+    <p:sldId id="943" r:id="rId52"/>
+    <p:sldId id="945" r:id="rId53"/>
+    <p:sldId id="994" r:id="rId54"/>
   </p:sldIdLst>
   <p:sldSz cx="9144000" cy="6858000" type="screen4x3"/>
   <p:notesSz cx="7077075" cy="9363075"/>
@@ -311,7 +311,7 @@
           <a:p>
             <a:fld id="{A241AC98-512A-4A35-865E-757B6C1F07A2}" type="datetimeFigureOut">
               <a:rPr lang="en-US" smtClean="0"/>
-              <a:t>6/1/2022</a:t>
+              <a:t>6/2/2022</a:t>
             </a:fld>
             <a:endParaRPr lang="en-US"/>
           </a:p>
@@ -477,7 +477,7 @@
           <a:p>
             <a:fld id="{3854CEE7-15DE-41D9-8CA2-D1E137B1D850}" type="datetimeFigureOut">
               <a:rPr lang="en-US" smtClean="0"/>
-              <a:t>6/1/2022</a:t>
+              <a:t>6/2/2022</a:t>
             </a:fld>
             <a:endParaRPr lang="en-US"/>
           </a:p>
@@ -1548,7 +1548,7 @@
           <a:p>
             <a:fld id="{5555EB2C-244D-4423-AD97-018ED6478B87}" type="datetime1">
               <a:rPr lang="en-US" smtClean="0"/>
-              <a:t>6/1/2022</a:t>
+              <a:t>6/2/2022</a:t>
             </a:fld>
             <a:endParaRPr lang="en-US"/>
           </a:p>
@@ -1727,7 +1727,7 @@
           <a:p>
             <a:fld id="{A2B41D1F-7576-4C60-B4EB-5115BC56CF40}" type="datetime1">
               <a:rPr lang="en-US" smtClean="0"/>
-              <a:t>6/1/2022</a:t>
+              <a:t>6/2/2022</a:t>
             </a:fld>
             <a:endParaRPr lang="en-US"/>
           </a:p>
@@ -1919,7 +1919,7 @@
           <a:p>
             <a:fld id="{E79D1398-4D56-44F9-BA35-34ACF3159A64}" type="datetime1">
               <a:rPr lang="en-US" smtClean="0"/>
-              <a:t>6/1/2022</a:t>
+              <a:t>6/2/2022</a:t>
             </a:fld>
             <a:endParaRPr lang="en-US"/>
           </a:p>
@@ -2101,7 +2101,7 @@
           <a:p>
             <a:fld id="{A3CF632E-48CB-4EEB-A6B6-DEC7AD7CC976}" type="datetime1">
               <a:rPr lang="en-US" smtClean="0"/>
-              <a:t>6/1/2022</a:t>
+              <a:t>6/2/2022</a:t>
             </a:fld>
             <a:endParaRPr lang="en-US"/>
           </a:p>
@@ -2354,7 +2354,7 @@
           <a:p>
             <a:fld id="{BAEEE52C-3A57-458E-95F6-96B2FA9D1DD4}" type="datetime1">
               <a:rPr lang="en-US" smtClean="0"/>
-              <a:t>6/1/2022</a:t>
+              <a:t>6/2/2022</a:t>
             </a:fld>
             <a:endParaRPr lang="en-US"/>
           </a:p>
@@ -2598,7 +2598,7 @@
           <a:p>
             <a:fld id="{766FC747-A48A-4FF2-8EE4-3E95ECD1C2A8}" type="datetime1">
               <a:rPr lang="en-US" smtClean="0"/>
-              <a:t>6/1/2022</a:t>
+              <a:t>6/2/2022</a:t>
             </a:fld>
             <a:endParaRPr lang="en-US"/>
           </a:p>
@@ -2977,7 +2977,7 @@
           <a:p>
             <a:fld id="{C9BF5758-AB7F-463D-B638-E1729B95E126}" type="datetime1">
               <a:rPr lang="en-US" smtClean="0"/>
-              <a:t>6/1/2022</a:t>
+              <a:t>6/2/2022</a:t>
             </a:fld>
             <a:endParaRPr lang="en-US"/>
           </a:p>
@@ -3107,7 +3107,7 @@
           <a:p>
             <a:fld id="{F3718C77-7DD0-4738-BF52-D0EC9F78A76E}" type="datetime1">
               <a:rPr lang="en-US" smtClean="0"/>
-              <a:t>6/1/2022</a:t>
+              <a:t>6/2/2022</a:t>
             </a:fld>
             <a:endParaRPr lang="en-US"/>
           </a:p>
@@ -3214,7 +3214,7 @@
           <a:p>
             <a:fld id="{948970CF-13D9-4E1D-A74F-2CFE4953FCDB}" type="datetime1">
               <a:rPr lang="en-US" smtClean="0"/>
-              <a:t>6/1/2022</a:t>
+              <a:t>6/2/2022</a:t>
             </a:fld>
             <a:endParaRPr lang="en-US"/>
           </a:p>
@@ -3503,7 +3503,7 @@
           <a:p>
             <a:fld id="{F68C49B9-4E1C-4967-B9CF-0BF9FECBE837}" type="datetime1">
               <a:rPr lang="en-US" smtClean="0"/>
-              <a:t>6/1/2022</a:t>
+              <a:t>6/2/2022</a:t>
             </a:fld>
             <a:endParaRPr lang="en-US"/>
           </a:p>
@@ -3771,7 +3771,7 @@
           <a:p>
             <a:fld id="{7E338CBB-1F06-4333-9BBF-66628B15E581}" type="datetime1">
               <a:rPr lang="en-US" smtClean="0"/>
-              <a:t>6/1/2022</a:t>
+              <a:t>6/2/2022</a:t>
             </a:fld>
             <a:endParaRPr lang="en-US"/>
           </a:p>
@@ -3996,7 +3996,7 @@
           <a:p>
             <a:fld id="{705EC883-F03C-4CA3-AF62-BEF30EEA4F65}" type="datetime1">
               <a:rPr lang="en-US" smtClean="0"/>
-              <a:t>6/1/2022</a:t>
+              <a:t>6/2/2022</a:t>
             </a:fld>
             <a:endParaRPr lang="en-US"/>
           </a:p>
@@ -11860,8 +11860,8 @@
           </a:p>
         </p:txBody>
       </p:sp>
-      <mc:AlternateContent xmlns:mc="http://schemas.openxmlformats.org/markup-compatibility/2006">
-        <mc:Choice xmlns:a14="http://schemas.microsoft.com/office/drawing/2010/main" Requires="a14">
+      <mc:AlternateContent xmlns:mc="http://schemas.openxmlformats.org/markup-compatibility/2006" xmlns:a14="http://schemas.microsoft.com/office/drawing/2010/main">
+        <mc:Choice Requires="a14">
           <p:sp>
             <p:nvSpPr>
               <p:cNvPr id="3" name="Content Placeholder 2"/>
@@ -12059,7 +12059,7 @@
             </p:txBody>
           </p:sp>
         </mc:Choice>
-        <mc:Fallback>
+        <mc:Fallback xmlns="">
           <p:sp>
             <p:nvSpPr>
               <p:cNvPr id="3" name="Content Placeholder 2"/>
@@ -33747,6 +33747,1208 @@
       </p:grpSpPr>
       <p:sp>
         <p:nvSpPr>
+          <p:cNvPr id="2" name="Title 1"/>
+          <p:cNvSpPr>
+            <a:spLocks noGrp="1"/>
+          </p:cNvSpPr>
+          <p:nvPr>
+            <p:ph type="title"/>
+          </p:nvPr>
+        </p:nvSpPr>
+        <p:spPr>
+          <a:xfrm>
+            <a:off x="628650" y="365126"/>
+            <a:ext cx="7886700" cy="1103455"/>
+          </a:xfrm>
+        </p:spPr>
+        <p:txBody>
+          <a:bodyPr>
+            <a:noAutofit/>
+          </a:bodyPr>
+          <a:lstStyle/>
+          <a:p>
+            <a:pPr algn="ctr"/>
+            <a:r>
+              <a:rPr lang="en-US" sz="3200" dirty="0">
+                <a:latin typeface="+mn-lt"/>
+              </a:rPr>
+              <a:t>Session </a:t>
+            </a:r>
+            <a:r>
+              <a:rPr lang="en-US" sz="3200" b="1" dirty="0">
+                <a:latin typeface="+mn-lt"/>
+              </a:rPr>
+              <a:t>03</a:t>
+            </a:r>
+            <a:r>
+              <a:rPr lang="en-US" sz="3200" dirty="0">
+                <a:latin typeface="+mn-lt"/>
+              </a:rPr>
+              <a:t> – Now You Know…</a:t>
+            </a:r>
+          </a:p>
+        </p:txBody>
+      </p:sp>
+      <p:sp>
+        <p:nvSpPr>
+          <p:cNvPr id="3" name="Content Placeholder 2"/>
+          <p:cNvSpPr>
+            <a:spLocks noGrp="1"/>
+          </p:cNvSpPr>
+          <p:nvPr>
+            <p:ph idx="1"/>
+          </p:nvPr>
+        </p:nvSpPr>
+        <p:spPr/>
+        <p:txBody>
+          <a:bodyPr>
+            <a:noAutofit/>
+          </a:bodyPr>
+          <a:lstStyle/>
+          <a:p>
+            <a:pPr>
+              <a:spcBef>
+                <a:spcPts val="0"/>
+              </a:spcBef>
+              <a:spcAft>
+                <a:spcPts val="1200"/>
+              </a:spcAft>
+            </a:pPr>
+            <a:r>
+              <a:rPr lang="en-US" sz="2400" dirty="0"/>
+              <a:t>How to define variables in Python (</a:t>
+            </a:r>
+            <a:r>
+              <a:rPr lang="en-US" sz="2400" b="1" dirty="0" err="1"/>
+              <a:t>snake_case</a:t>
+            </a:r>
+            <a:r>
+              <a:rPr lang="en-US" sz="2400" dirty="0"/>
+              <a:t>)</a:t>
+            </a:r>
+            <a:endParaRPr lang="en-US" sz="2400" b="1" dirty="0">
+              <a:solidFill>
+                <a:srgbClr val="7030A0"/>
+              </a:solidFill>
+            </a:endParaRPr>
+          </a:p>
+          <a:p>
+            <a:pPr>
+              <a:spcBef>
+                <a:spcPts val="0"/>
+              </a:spcBef>
+              <a:spcAft>
+                <a:spcPts val="1200"/>
+              </a:spcAft>
+            </a:pPr>
+            <a:r>
+              <a:rPr lang="en-US" sz="2400" dirty="0"/>
+              <a:t>How to use </a:t>
+            </a:r>
+            <a:r>
+              <a:rPr lang="en-US" sz="2400" b="1" dirty="0"/>
+              <a:t>print</a:t>
+            </a:r>
+            <a:r>
+              <a:rPr lang="en-US" sz="2400" dirty="0"/>
+              <a:t>()</a:t>
+            </a:r>
+            <a:r>
+              <a:rPr lang="en-US" sz="2400" b="1" dirty="0"/>
+              <a:t> </a:t>
+            </a:r>
+            <a:r>
+              <a:rPr lang="en-US" sz="2400" dirty="0"/>
+              <a:t>to show variable values on screen</a:t>
+            </a:r>
+          </a:p>
+          <a:p>
+            <a:pPr>
+              <a:spcBef>
+                <a:spcPts val="0"/>
+              </a:spcBef>
+              <a:spcAft>
+                <a:spcPts val="1200"/>
+              </a:spcAft>
+            </a:pPr>
+            <a:r>
+              <a:rPr lang="en-US" sz="2400" dirty="0"/>
+              <a:t>How to use </a:t>
+            </a:r>
+            <a:r>
+              <a:rPr lang="en-US" sz="2400" b="1" dirty="0">
+                <a:solidFill>
+                  <a:srgbClr val="0070C0"/>
+                </a:solidFill>
+              </a:rPr>
+              <a:t>f-strings</a:t>
+            </a:r>
+            <a:r>
+              <a:rPr lang="en-US" sz="2400" dirty="0"/>
+              <a:t> with </a:t>
+            </a:r>
+            <a:r>
+              <a:rPr lang="en-US" sz="2400" b="1" dirty="0"/>
+              <a:t>{}</a:t>
+            </a:r>
+            <a:r>
+              <a:rPr lang="en-US" sz="2400" dirty="0"/>
+              <a:t> placeholders (replacement fields) for variable names</a:t>
+            </a:r>
+          </a:p>
+          <a:p>
+            <a:pPr>
+              <a:spcBef>
+                <a:spcPts val="0"/>
+              </a:spcBef>
+              <a:spcAft>
+                <a:spcPts val="1200"/>
+              </a:spcAft>
+            </a:pPr>
+            <a:r>
+              <a:rPr lang="en-US" sz="2400" dirty="0"/>
+              <a:t>How to indicate </a:t>
+            </a:r>
+            <a:r>
+              <a:rPr lang="en-US" sz="2400" b="1" dirty="0"/>
+              <a:t>format specifiers</a:t>
+            </a:r>
+            <a:r>
+              <a:rPr lang="en-US" sz="2400" dirty="0"/>
+              <a:t> in order to make your code output more human readable and professional looking</a:t>
+            </a:r>
+          </a:p>
+          <a:p>
+            <a:pPr>
+              <a:spcBef>
+                <a:spcPts val="0"/>
+              </a:spcBef>
+              <a:spcAft>
+                <a:spcPts val="1200"/>
+              </a:spcAft>
+            </a:pPr>
+            <a:r>
+              <a:rPr lang="en-US" sz="2400" dirty="0"/>
+              <a:t>How to define an iterable sequence using </a:t>
+            </a:r>
+            <a:r>
+              <a:rPr lang="en-US" sz="2400" b="1" dirty="0">
+                <a:solidFill>
+                  <a:srgbClr val="00B050"/>
+                </a:solidFill>
+              </a:rPr>
+              <a:t>range()</a:t>
+            </a:r>
+          </a:p>
+          <a:p>
+            <a:pPr>
+              <a:spcBef>
+                <a:spcPts val="0"/>
+              </a:spcBef>
+              <a:spcAft>
+                <a:spcPts val="1200"/>
+              </a:spcAft>
+            </a:pPr>
+            <a:r>
+              <a:rPr lang="en-US" sz="2400" dirty="0"/>
+              <a:t>How to pass the lazy list generated by </a:t>
+            </a:r>
+            <a:r>
+              <a:rPr lang="en-US" sz="2400" b="1" dirty="0">
+                <a:solidFill>
+                  <a:srgbClr val="00B050"/>
+                </a:solidFill>
+              </a:rPr>
+              <a:t>range() </a:t>
+            </a:r>
+            <a:r>
+              <a:rPr lang="en-US" sz="2400" dirty="0"/>
+              <a:t>into the       </a:t>
+            </a:r>
+            <a:r>
+              <a:rPr lang="en-US" sz="2400" b="1" dirty="0">
+                <a:solidFill>
+                  <a:srgbClr val="0070C0"/>
+                </a:solidFill>
+              </a:rPr>
+              <a:t>for</a:t>
+            </a:r>
+            <a:r>
+              <a:rPr lang="en-US" sz="2400" b="1" dirty="0"/>
+              <a:t> </a:t>
+            </a:r>
+            <a:r>
+              <a:rPr lang="en-US" sz="2400" dirty="0"/>
+              <a:t>statement to enumerate each value in that sequence</a:t>
+            </a:r>
+          </a:p>
+          <a:p>
+            <a:pPr>
+              <a:spcBef>
+                <a:spcPts val="0"/>
+              </a:spcBef>
+              <a:spcAft>
+                <a:spcPts val="1200"/>
+              </a:spcAft>
+            </a:pPr>
+            <a:r>
+              <a:rPr lang="en-US" sz="2400" dirty="0"/>
+              <a:t>Python uses the "inclusive/</a:t>
+            </a:r>
+            <a:r>
+              <a:rPr lang="en-US" sz="2400" b="1" dirty="0">
+                <a:solidFill>
+                  <a:srgbClr val="FF0000"/>
+                </a:solidFill>
+              </a:rPr>
+              <a:t>exclusive</a:t>
+            </a:r>
+            <a:r>
+              <a:rPr lang="en-US" sz="2400" dirty="0"/>
+              <a:t>" paradigm constantly</a:t>
+            </a:r>
+          </a:p>
+        </p:txBody>
+      </p:sp>
+      <p:sp>
+        <p:nvSpPr>
+          <p:cNvPr id="4" name="Slide Number Placeholder 3"/>
+          <p:cNvSpPr>
+            <a:spLocks noGrp="1"/>
+          </p:cNvSpPr>
+          <p:nvPr>
+            <p:ph type="sldNum" sz="quarter" idx="12"/>
+          </p:nvPr>
+        </p:nvSpPr>
+        <p:spPr/>
+        <p:txBody>
+          <a:bodyPr/>
+          <a:lstStyle/>
+          <a:p>
+            <a:fld id="{650AD656-6FF9-465D-B7B0-1CD0DD39CD23}" type="slidenum">
+              <a:rPr lang="en-US" smtClean="0"/>
+              <a:t>47</a:t>
+            </a:fld>
+            <a:endParaRPr lang="en-US" dirty="0"/>
+          </a:p>
+        </p:txBody>
+      </p:sp>
+    </p:spTree>
+    <p:extLst>
+      <p:ext uri="{BB962C8B-B14F-4D97-AF65-F5344CB8AC3E}">
+        <p14:creationId xmlns:p14="http://schemas.microsoft.com/office/powerpoint/2010/main" val="354279882"/>
+      </p:ext>
+    </p:extLst>
+  </p:cSld>
+  <p:clrMapOvr>
+    <a:masterClrMapping/>
+  </p:clrMapOvr>
+  <p:timing>
+    <p:tnLst>
+      <p:par>
+        <p:cTn id="1" dur="indefinite" restart="never" nodeType="tmRoot">
+          <p:childTnLst>
+            <p:seq concurrent="1" nextAc="seek">
+              <p:cTn id="2" dur="indefinite" nodeType="mainSeq">
+                <p:childTnLst>
+                  <p:par>
+                    <p:cTn id="3" fill="hold">
+                      <p:stCondLst>
+                        <p:cond delay="indefinite"/>
+                      </p:stCondLst>
+                      <p:childTnLst>
+                        <p:par>
+                          <p:cTn id="4" fill="hold">
+                            <p:stCondLst>
+                              <p:cond delay="0"/>
+                            </p:stCondLst>
+                            <p:childTnLst>
+                              <p:par>
+                                <p:cTn id="5" presetID="1" presetClass="entr" presetSubtype="0" fill="hold" nodeType="clickEffect">
+                                  <p:stCondLst>
+                                    <p:cond delay="0"/>
+                                  </p:stCondLst>
+                                  <p:childTnLst>
+                                    <p:set>
+                                      <p:cBhvr>
+                                        <p:cTn id="6" dur="1" fill="hold">
+                                          <p:stCondLst>
+                                            <p:cond delay="0"/>
+                                          </p:stCondLst>
+                                        </p:cTn>
+                                        <p:tgtEl>
+                                          <p:spTgt spid="3">
+                                            <p:txEl>
+                                              <p:pRg st="1" end="1"/>
+                                            </p:txEl>
+                                          </p:spTgt>
+                                        </p:tgtEl>
+                                        <p:attrNameLst>
+                                          <p:attrName>style.visibility</p:attrName>
+                                        </p:attrNameLst>
+                                      </p:cBhvr>
+                                      <p:to>
+                                        <p:strVal val="visible"/>
+                                      </p:to>
+                                    </p:set>
+                                  </p:childTnLst>
+                                </p:cTn>
+                              </p:par>
+                            </p:childTnLst>
+                          </p:cTn>
+                        </p:par>
+                      </p:childTnLst>
+                    </p:cTn>
+                  </p:par>
+                  <p:par>
+                    <p:cTn id="7" fill="hold">
+                      <p:stCondLst>
+                        <p:cond delay="indefinite"/>
+                      </p:stCondLst>
+                      <p:childTnLst>
+                        <p:par>
+                          <p:cTn id="8" fill="hold">
+                            <p:stCondLst>
+                              <p:cond delay="0"/>
+                            </p:stCondLst>
+                            <p:childTnLst>
+                              <p:par>
+                                <p:cTn id="9" presetID="1" presetClass="entr" presetSubtype="0" fill="hold" nodeType="clickEffect">
+                                  <p:stCondLst>
+                                    <p:cond delay="0"/>
+                                  </p:stCondLst>
+                                  <p:childTnLst>
+                                    <p:set>
+                                      <p:cBhvr>
+                                        <p:cTn id="10" dur="1" fill="hold">
+                                          <p:stCondLst>
+                                            <p:cond delay="0"/>
+                                          </p:stCondLst>
+                                        </p:cTn>
+                                        <p:tgtEl>
+                                          <p:spTgt spid="3">
+                                            <p:txEl>
+                                              <p:pRg st="2" end="2"/>
+                                            </p:txEl>
+                                          </p:spTgt>
+                                        </p:tgtEl>
+                                        <p:attrNameLst>
+                                          <p:attrName>style.visibility</p:attrName>
+                                        </p:attrNameLst>
+                                      </p:cBhvr>
+                                      <p:to>
+                                        <p:strVal val="visible"/>
+                                      </p:to>
+                                    </p:set>
+                                  </p:childTnLst>
+                                </p:cTn>
+                              </p:par>
+                            </p:childTnLst>
+                          </p:cTn>
+                        </p:par>
+                      </p:childTnLst>
+                    </p:cTn>
+                  </p:par>
+                  <p:par>
+                    <p:cTn id="11" fill="hold">
+                      <p:stCondLst>
+                        <p:cond delay="indefinite"/>
+                      </p:stCondLst>
+                      <p:childTnLst>
+                        <p:par>
+                          <p:cTn id="12" fill="hold">
+                            <p:stCondLst>
+                              <p:cond delay="0"/>
+                            </p:stCondLst>
+                            <p:childTnLst>
+                              <p:par>
+                                <p:cTn id="13" presetID="1" presetClass="entr" presetSubtype="0" fill="hold" nodeType="clickEffect">
+                                  <p:stCondLst>
+                                    <p:cond delay="0"/>
+                                  </p:stCondLst>
+                                  <p:childTnLst>
+                                    <p:set>
+                                      <p:cBhvr>
+                                        <p:cTn id="14" dur="1" fill="hold">
+                                          <p:stCondLst>
+                                            <p:cond delay="0"/>
+                                          </p:stCondLst>
+                                        </p:cTn>
+                                        <p:tgtEl>
+                                          <p:spTgt spid="3">
+                                            <p:txEl>
+                                              <p:pRg st="3" end="3"/>
+                                            </p:txEl>
+                                          </p:spTgt>
+                                        </p:tgtEl>
+                                        <p:attrNameLst>
+                                          <p:attrName>style.visibility</p:attrName>
+                                        </p:attrNameLst>
+                                      </p:cBhvr>
+                                      <p:to>
+                                        <p:strVal val="visible"/>
+                                      </p:to>
+                                    </p:set>
+                                  </p:childTnLst>
+                                </p:cTn>
+                              </p:par>
+                            </p:childTnLst>
+                          </p:cTn>
+                        </p:par>
+                      </p:childTnLst>
+                    </p:cTn>
+                  </p:par>
+                  <p:par>
+                    <p:cTn id="15" fill="hold">
+                      <p:stCondLst>
+                        <p:cond delay="indefinite"/>
+                      </p:stCondLst>
+                      <p:childTnLst>
+                        <p:par>
+                          <p:cTn id="16" fill="hold">
+                            <p:stCondLst>
+                              <p:cond delay="0"/>
+                            </p:stCondLst>
+                            <p:childTnLst>
+                              <p:par>
+                                <p:cTn id="17" presetID="1" presetClass="entr" presetSubtype="0" fill="hold" nodeType="clickEffect">
+                                  <p:stCondLst>
+                                    <p:cond delay="0"/>
+                                  </p:stCondLst>
+                                  <p:childTnLst>
+                                    <p:set>
+                                      <p:cBhvr>
+                                        <p:cTn id="18" dur="1" fill="hold">
+                                          <p:stCondLst>
+                                            <p:cond delay="0"/>
+                                          </p:stCondLst>
+                                        </p:cTn>
+                                        <p:tgtEl>
+                                          <p:spTgt spid="3">
+                                            <p:txEl>
+                                              <p:pRg st="4" end="4"/>
+                                            </p:txEl>
+                                          </p:spTgt>
+                                        </p:tgtEl>
+                                        <p:attrNameLst>
+                                          <p:attrName>style.visibility</p:attrName>
+                                        </p:attrNameLst>
+                                      </p:cBhvr>
+                                      <p:to>
+                                        <p:strVal val="visible"/>
+                                      </p:to>
+                                    </p:set>
+                                  </p:childTnLst>
+                                </p:cTn>
+                              </p:par>
+                            </p:childTnLst>
+                          </p:cTn>
+                        </p:par>
+                      </p:childTnLst>
+                    </p:cTn>
+                  </p:par>
+                  <p:par>
+                    <p:cTn id="19" fill="hold">
+                      <p:stCondLst>
+                        <p:cond delay="indefinite"/>
+                      </p:stCondLst>
+                      <p:childTnLst>
+                        <p:par>
+                          <p:cTn id="20" fill="hold">
+                            <p:stCondLst>
+                              <p:cond delay="0"/>
+                            </p:stCondLst>
+                            <p:childTnLst>
+                              <p:par>
+                                <p:cTn id="21" presetID="1" presetClass="entr" presetSubtype="0" fill="hold" nodeType="clickEffect">
+                                  <p:stCondLst>
+                                    <p:cond delay="0"/>
+                                  </p:stCondLst>
+                                  <p:childTnLst>
+                                    <p:set>
+                                      <p:cBhvr>
+                                        <p:cTn id="22" dur="1" fill="hold">
+                                          <p:stCondLst>
+                                            <p:cond delay="0"/>
+                                          </p:stCondLst>
+                                        </p:cTn>
+                                        <p:tgtEl>
+                                          <p:spTgt spid="3">
+                                            <p:txEl>
+                                              <p:pRg st="5" end="5"/>
+                                            </p:txEl>
+                                          </p:spTgt>
+                                        </p:tgtEl>
+                                        <p:attrNameLst>
+                                          <p:attrName>style.visibility</p:attrName>
+                                        </p:attrNameLst>
+                                      </p:cBhvr>
+                                      <p:to>
+                                        <p:strVal val="visible"/>
+                                      </p:to>
+                                    </p:set>
+                                  </p:childTnLst>
+                                </p:cTn>
+                              </p:par>
+                            </p:childTnLst>
+                          </p:cTn>
+                        </p:par>
+                      </p:childTnLst>
+                    </p:cTn>
+                  </p:par>
+                  <p:par>
+                    <p:cTn id="23" fill="hold">
+                      <p:stCondLst>
+                        <p:cond delay="indefinite"/>
+                      </p:stCondLst>
+                      <p:childTnLst>
+                        <p:par>
+                          <p:cTn id="24" fill="hold">
+                            <p:stCondLst>
+                              <p:cond delay="0"/>
+                            </p:stCondLst>
+                            <p:childTnLst>
+                              <p:par>
+                                <p:cTn id="25" presetID="1" presetClass="entr" presetSubtype="0" fill="hold" nodeType="clickEffect">
+                                  <p:stCondLst>
+                                    <p:cond delay="0"/>
+                                  </p:stCondLst>
+                                  <p:childTnLst>
+                                    <p:set>
+                                      <p:cBhvr>
+                                        <p:cTn id="26" dur="1" fill="hold">
+                                          <p:stCondLst>
+                                            <p:cond delay="0"/>
+                                          </p:stCondLst>
+                                        </p:cTn>
+                                        <p:tgtEl>
+                                          <p:spTgt spid="3">
+                                            <p:txEl>
+                                              <p:pRg st="6" end="6"/>
+                                            </p:txEl>
+                                          </p:spTgt>
+                                        </p:tgtEl>
+                                        <p:attrNameLst>
+                                          <p:attrName>style.visibility</p:attrName>
+                                        </p:attrNameLst>
+                                      </p:cBhvr>
+                                      <p:to>
+                                        <p:strVal val="visible"/>
+                                      </p:to>
+                                    </p:set>
+                                  </p:childTnLst>
+                                </p:cTn>
+                              </p:par>
+                            </p:childTnLst>
+                          </p:cTn>
+                        </p:par>
+                      </p:childTnLst>
+                    </p:cTn>
+                  </p:par>
+                </p:childTnLst>
+              </p:cTn>
+              <p:prevCondLst>
+                <p:cond evt="onPrev" delay="0">
+                  <p:tgtEl>
+                    <p:sldTgt/>
+                  </p:tgtEl>
+                </p:cond>
+              </p:prevCondLst>
+              <p:nextCondLst>
+                <p:cond evt="onNext" delay="0">
+                  <p:tgtEl>
+                    <p:sldTgt/>
+                  </p:tgtEl>
+                </p:cond>
+              </p:nextCondLst>
+            </p:seq>
+          </p:childTnLst>
+        </p:cTn>
+      </p:par>
+    </p:tnLst>
+  </p:timing>
+</p:sld>
+</file>
+
+<file path=ppt/slides/slide48.xml><?xml version="1.0" encoding="utf-8"?>
+<p:sld xmlns:a="http://schemas.openxmlformats.org/drawingml/2006/main" xmlns:r="http://schemas.openxmlformats.org/officeDocument/2006/relationships" xmlns:p="http://schemas.openxmlformats.org/presentationml/2006/main">
+  <p:cSld>
+    <p:spTree>
+      <p:nvGrpSpPr>
+        <p:cNvPr id="1" name=""/>
+        <p:cNvGrpSpPr/>
+        <p:nvPr/>
+      </p:nvGrpSpPr>
+      <p:grpSpPr>
+        <a:xfrm>
+          <a:off x="0" y="0"/>
+          <a:ext cx="0" cy="0"/>
+          <a:chOff x="0" y="0"/>
+          <a:chExt cx="0" cy="0"/>
+        </a:xfrm>
+      </p:grpSpPr>
+      <p:sp>
+        <p:nvSpPr>
+          <p:cNvPr id="2" name="Title 1"/>
+          <p:cNvSpPr>
+            <a:spLocks noGrp="1"/>
+          </p:cNvSpPr>
+          <p:nvPr>
+            <p:ph type="title"/>
+          </p:nvPr>
+        </p:nvSpPr>
+        <p:spPr>
+          <a:xfrm>
+            <a:off x="628650" y="365126"/>
+            <a:ext cx="7886700" cy="1103455"/>
+          </a:xfrm>
+        </p:spPr>
+        <p:txBody>
+          <a:bodyPr>
+            <a:noAutofit/>
+          </a:bodyPr>
+          <a:lstStyle/>
+          <a:p>
+            <a:pPr algn="ctr"/>
+            <a:r>
+              <a:rPr lang="en-US" sz="3200" dirty="0">
+                <a:latin typeface="+mn-lt"/>
+              </a:rPr>
+              <a:t>Session </a:t>
+            </a:r>
+            <a:r>
+              <a:rPr lang="en-US" sz="3200" b="1" dirty="0">
+                <a:latin typeface="+mn-lt"/>
+              </a:rPr>
+              <a:t>03</a:t>
+            </a:r>
+            <a:r>
+              <a:rPr lang="en-US" sz="3200" dirty="0">
+                <a:latin typeface="+mn-lt"/>
+              </a:rPr>
+              <a:t> – Now You Know…</a:t>
+            </a:r>
+          </a:p>
+        </p:txBody>
+      </p:sp>
+      <p:sp>
+        <p:nvSpPr>
+          <p:cNvPr id="3" name="Content Placeholder 2"/>
+          <p:cNvSpPr>
+            <a:spLocks noGrp="1"/>
+          </p:cNvSpPr>
+          <p:nvPr>
+            <p:ph idx="1"/>
+          </p:nvPr>
+        </p:nvSpPr>
+        <p:spPr/>
+        <p:txBody>
+          <a:bodyPr>
+            <a:noAutofit/>
+          </a:bodyPr>
+          <a:lstStyle/>
+          <a:p>
+            <a:pPr>
+              <a:spcBef>
+                <a:spcPts val="0"/>
+              </a:spcBef>
+              <a:spcAft>
+                <a:spcPts val="1200"/>
+              </a:spcAft>
+            </a:pPr>
+            <a:r>
+              <a:rPr lang="en-US" sz="2400" dirty="0"/>
+              <a:t>How to place comments in your code using </a:t>
+            </a:r>
+            <a:r>
+              <a:rPr lang="en-US" sz="2400" b="1" dirty="0">
+                <a:solidFill>
+                  <a:srgbClr val="00B050"/>
+                </a:solidFill>
+              </a:rPr>
+              <a:t>#</a:t>
+            </a:r>
+          </a:p>
+          <a:p>
+            <a:pPr>
+              <a:spcBef>
+                <a:spcPts val="0"/>
+              </a:spcBef>
+              <a:spcAft>
+                <a:spcPts val="1200"/>
+              </a:spcAft>
+            </a:pPr>
+            <a:r>
+              <a:rPr lang="en-US" sz="2400" dirty="0"/>
+              <a:t>How to use special system-defined "double underscore" (aka </a:t>
+            </a:r>
+            <a:r>
+              <a:rPr lang="en-US" sz="2400" b="1" dirty="0" err="1"/>
+              <a:t>dunder</a:t>
+            </a:r>
+            <a:r>
+              <a:rPr lang="en-US" sz="2400" dirty="0"/>
+              <a:t>) methods to support running Python code directly from the command line</a:t>
+            </a:r>
+          </a:p>
+          <a:p>
+            <a:pPr>
+              <a:spcBef>
+                <a:spcPts val="0"/>
+              </a:spcBef>
+              <a:spcAft>
+                <a:spcPts val="1200"/>
+              </a:spcAft>
+            </a:pPr>
+            <a:r>
+              <a:rPr lang="en-US" sz="2400" dirty="0"/>
+              <a:t>Using single underscore character for thousands separator in numeric literals</a:t>
+            </a:r>
+          </a:p>
+          <a:p>
+            <a:pPr>
+              <a:spcBef>
+                <a:spcPts val="0"/>
+              </a:spcBef>
+              <a:spcAft>
+                <a:spcPts val="1200"/>
+              </a:spcAft>
+            </a:pPr>
+            <a:r>
+              <a:rPr lang="en-US" sz="2400" dirty="0"/>
+              <a:t>How to declare custom functions using </a:t>
+            </a:r>
+            <a:r>
+              <a:rPr lang="en-US" sz="2400" b="1" dirty="0">
+                <a:solidFill>
+                  <a:srgbClr val="0070C0"/>
+                </a:solidFill>
+              </a:rPr>
+              <a:t>def</a:t>
+            </a:r>
+          </a:p>
+          <a:p>
+            <a:pPr>
+              <a:spcBef>
+                <a:spcPts val="0"/>
+              </a:spcBef>
+              <a:spcAft>
+                <a:spcPts val="1200"/>
+              </a:spcAft>
+            </a:pPr>
+            <a:r>
+              <a:rPr lang="en-US" sz="2400" dirty="0"/>
+              <a:t>How to import modules (external packages / libraries / functions) using the </a:t>
+            </a:r>
+            <a:r>
+              <a:rPr lang="en-US" sz="2400" dirty="0">
+                <a:ln>
+                  <a:solidFill>
+                    <a:srgbClr val="C7758A"/>
+                  </a:solidFill>
+                </a:ln>
+                <a:solidFill>
+                  <a:srgbClr val="C7758A"/>
+                </a:solidFill>
+              </a:rPr>
+              <a:t>import</a:t>
+            </a:r>
+            <a:r>
+              <a:rPr lang="en-US" sz="2400" dirty="0"/>
+              <a:t> statement</a:t>
+            </a:r>
+          </a:p>
+          <a:p>
+            <a:pPr>
+              <a:spcBef>
+                <a:spcPts val="0"/>
+              </a:spcBef>
+              <a:spcAft>
+                <a:spcPts val="1200"/>
+              </a:spcAft>
+            </a:pPr>
+            <a:r>
+              <a:rPr lang="en-US" sz="2400" dirty="0"/>
+              <a:t>How to use </a:t>
+            </a:r>
+            <a:r>
+              <a:rPr lang="en-US" sz="2400" b="1" dirty="0">
+                <a:solidFill>
+                  <a:srgbClr val="00B050"/>
+                </a:solidFill>
+              </a:rPr>
+              <a:t>tuple unpacking </a:t>
+            </a:r>
+            <a:r>
+              <a:rPr lang="en-US" sz="2400" dirty="0"/>
+              <a:t>to do multiple variable assignments with a single line of code</a:t>
+            </a:r>
+          </a:p>
+          <a:p>
+            <a:pPr>
+              <a:spcBef>
+                <a:spcPts val="0"/>
+              </a:spcBef>
+              <a:spcAft>
+                <a:spcPts val="1200"/>
+              </a:spcAft>
+            </a:pPr>
+            <a:endParaRPr lang="en-US" sz="2400" dirty="0"/>
+          </a:p>
+          <a:p>
+            <a:pPr>
+              <a:spcBef>
+                <a:spcPts val="0"/>
+              </a:spcBef>
+              <a:spcAft>
+                <a:spcPts val="1200"/>
+              </a:spcAft>
+            </a:pPr>
+            <a:endParaRPr lang="en-US" sz="2400" dirty="0"/>
+          </a:p>
+          <a:p>
+            <a:pPr>
+              <a:spcBef>
+                <a:spcPts val="0"/>
+              </a:spcBef>
+              <a:spcAft>
+                <a:spcPts val="1200"/>
+              </a:spcAft>
+            </a:pPr>
+            <a:endParaRPr lang="en-US" sz="2400" dirty="0"/>
+          </a:p>
+        </p:txBody>
+      </p:sp>
+      <p:sp>
+        <p:nvSpPr>
+          <p:cNvPr id="4" name="Slide Number Placeholder 3"/>
+          <p:cNvSpPr>
+            <a:spLocks noGrp="1"/>
+          </p:cNvSpPr>
+          <p:nvPr>
+            <p:ph type="sldNum" sz="quarter" idx="12"/>
+          </p:nvPr>
+        </p:nvSpPr>
+        <p:spPr/>
+        <p:txBody>
+          <a:bodyPr/>
+          <a:lstStyle/>
+          <a:p>
+            <a:fld id="{650AD656-6FF9-465D-B7B0-1CD0DD39CD23}" type="slidenum">
+              <a:rPr lang="en-US" smtClean="0"/>
+              <a:t>48</a:t>
+            </a:fld>
+            <a:endParaRPr lang="en-US" dirty="0"/>
+          </a:p>
+        </p:txBody>
+      </p:sp>
+    </p:spTree>
+    <p:extLst>
+      <p:ext uri="{BB962C8B-B14F-4D97-AF65-F5344CB8AC3E}">
+        <p14:creationId xmlns:p14="http://schemas.microsoft.com/office/powerpoint/2010/main" val="899075750"/>
+      </p:ext>
+    </p:extLst>
+  </p:cSld>
+  <p:clrMapOvr>
+    <a:masterClrMapping/>
+  </p:clrMapOvr>
+  <p:timing>
+    <p:tnLst>
+      <p:par>
+        <p:cTn id="1" dur="indefinite" restart="never" nodeType="tmRoot">
+          <p:childTnLst>
+            <p:seq concurrent="1" nextAc="seek">
+              <p:cTn id="2" dur="indefinite" nodeType="mainSeq">
+                <p:childTnLst>
+                  <p:par>
+                    <p:cTn id="3" fill="hold">
+                      <p:stCondLst>
+                        <p:cond delay="indefinite"/>
+                      </p:stCondLst>
+                      <p:childTnLst>
+                        <p:par>
+                          <p:cTn id="4" fill="hold">
+                            <p:stCondLst>
+                              <p:cond delay="0"/>
+                            </p:stCondLst>
+                            <p:childTnLst>
+                              <p:par>
+                                <p:cTn id="5" presetID="1" presetClass="entr" presetSubtype="0" fill="hold" nodeType="clickEffect">
+                                  <p:stCondLst>
+                                    <p:cond delay="0"/>
+                                  </p:stCondLst>
+                                  <p:childTnLst>
+                                    <p:set>
+                                      <p:cBhvr>
+                                        <p:cTn id="6" dur="1" fill="hold">
+                                          <p:stCondLst>
+                                            <p:cond delay="0"/>
+                                          </p:stCondLst>
+                                        </p:cTn>
+                                        <p:tgtEl>
+                                          <p:spTgt spid="3">
+                                            <p:txEl>
+                                              <p:pRg st="1" end="1"/>
+                                            </p:txEl>
+                                          </p:spTgt>
+                                        </p:tgtEl>
+                                        <p:attrNameLst>
+                                          <p:attrName>style.visibility</p:attrName>
+                                        </p:attrNameLst>
+                                      </p:cBhvr>
+                                      <p:to>
+                                        <p:strVal val="visible"/>
+                                      </p:to>
+                                    </p:set>
+                                  </p:childTnLst>
+                                </p:cTn>
+                              </p:par>
+                            </p:childTnLst>
+                          </p:cTn>
+                        </p:par>
+                      </p:childTnLst>
+                    </p:cTn>
+                  </p:par>
+                  <p:par>
+                    <p:cTn id="7" fill="hold">
+                      <p:stCondLst>
+                        <p:cond delay="indefinite"/>
+                      </p:stCondLst>
+                      <p:childTnLst>
+                        <p:par>
+                          <p:cTn id="8" fill="hold">
+                            <p:stCondLst>
+                              <p:cond delay="0"/>
+                            </p:stCondLst>
+                            <p:childTnLst>
+                              <p:par>
+                                <p:cTn id="9" presetID="1" presetClass="entr" presetSubtype="0" fill="hold" nodeType="clickEffect">
+                                  <p:stCondLst>
+                                    <p:cond delay="0"/>
+                                  </p:stCondLst>
+                                  <p:childTnLst>
+                                    <p:set>
+                                      <p:cBhvr>
+                                        <p:cTn id="10" dur="1" fill="hold">
+                                          <p:stCondLst>
+                                            <p:cond delay="0"/>
+                                          </p:stCondLst>
+                                        </p:cTn>
+                                        <p:tgtEl>
+                                          <p:spTgt spid="3">
+                                            <p:txEl>
+                                              <p:pRg st="2" end="2"/>
+                                            </p:txEl>
+                                          </p:spTgt>
+                                        </p:tgtEl>
+                                        <p:attrNameLst>
+                                          <p:attrName>style.visibility</p:attrName>
+                                        </p:attrNameLst>
+                                      </p:cBhvr>
+                                      <p:to>
+                                        <p:strVal val="visible"/>
+                                      </p:to>
+                                    </p:set>
+                                  </p:childTnLst>
+                                </p:cTn>
+                              </p:par>
+                            </p:childTnLst>
+                          </p:cTn>
+                        </p:par>
+                      </p:childTnLst>
+                    </p:cTn>
+                  </p:par>
+                  <p:par>
+                    <p:cTn id="11" fill="hold">
+                      <p:stCondLst>
+                        <p:cond delay="indefinite"/>
+                      </p:stCondLst>
+                      <p:childTnLst>
+                        <p:par>
+                          <p:cTn id="12" fill="hold">
+                            <p:stCondLst>
+                              <p:cond delay="0"/>
+                            </p:stCondLst>
+                            <p:childTnLst>
+                              <p:par>
+                                <p:cTn id="13" presetID="1" presetClass="entr" presetSubtype="0" fill="hold" nodeType="clickEffect">
+                                  <p:stCondLst>
+                                    <p:cond delay="0"/>
+                                  </p:stCondLst>
+                                  <p:childTnLst>
+                                    <p:set>
+                                      <p:cBhvr>
+                                        <p:cTn id="14" dur="1" fill="hold">
+                                          <p:stCondLst>
+                                            <p:cond delay="0"/>
+                                          </p:stCondLst>
+                                        </p:cTn>
+                                        <p:tgtEl>
+                                          <p:spTgt spid="3">
+                                            <p:txEl>
+                                              <p:pRg st="3" end="3"/>
+                                            </p:txEl>
+                                          </p:spTgt>
+                                        </p:tgtEl>
+                                        <p:attrNameLst>
+                                          <p:attrName>style.visibility</p:attrName>
+                                        </p:attrNameLst>
+                                      </p:cBhvr>
+                                      <p:to>
+                                        <p:strVal val="visible"/>
+                                      </p:to>
+                                    </p:set>
+                                  </p:childTnLst>
+                                </p:cTn>
+                              </p:par>
+                            </p:childTnLst>
+                          </p:cTn>
+                        </p:par>
+                      </p:childTnLst>
+                    </p:cTn>
+                  </p:par>
+                  <p:par>
+                    <p:cTn id="15" fill="hold">
+                      <p:stCondLst>
+                        <p:cond delay="indefinite"/>
+                      </p:stCondLst>
+                      <p:childTnLst>
+                        <p:par>
+                          <p:cTn id="16" fill="hold">
+                            <p:stCondLst>
+                              <p:cond delay="0"/>
+                            </p:stCondLst>
+                            <p:childTnLst>
+                              <p:par>
+                                <p:cTn id="17" presetID="1" presetClass="entr" presetSubtype="0" fill="hold" nodeType="clickEffect">
+                                  <p:stCondLst>
+                                    <p:cond delay="0"/>
+                                  </p:stCondLst>
+                                  <p:childTnLst>
+                                    <p:set>
+                                      <p:cBhvr>
+                                        <p:cTn id="18" dur="1" fill="hold">
+                                          <p:stCondLst>
+                                            <p:cond delay="0"/>
+                                          </p:stCondLst>
+                                        </p:cTn>
+                                        <p:tgtEl>
+                                          <p:spTgt spid="3">
+                                            <p:txEl>
+                                              <p:pRg st="4" end="4"/>
+                                            </p:txEl>
+                                          </p:spTgt>
+                                        </p:tgtEl>
+                                        <p:attrNameLst>
+                                          <p:attrName>style.visibility</p:attrName>
+                                        </p:attrNameLst>
+                                      </p:cBhvr>
+                                      <p:to>
+                                        <p:strVal val="visible"/>
+                                      </p:to>
+                                    </p:set>
+                                  </p:childTnLst>
+                                </p:cTn>
+                              </p:par>
+                            </p:childTnLst>
+                          </p:cTn>
+                        </p:par>
+                      </p:childTnLst>
+                    </p:cTn>
+                  </p:par>
+                  <p:par>
+                    <p:cTn id="19" fill="hold">
+                      <p:stCondLst>
+                        <p:cond delay="indefinite"/>
+                      </p:stCondLst>
+                      <p:childTnLst>
+                        <p:par>
+                          <p:cTn id="20" fill="hold">
+                            <p:stCondLst>
+                              <p:cond delay="0"/>
+                            </p:stCondLst>
+                            <p:childTnLst>
+                              <p:par>
+                                <p:cTn id="21" presetID="1" presetClass="entr" presetSubtype="0" fill="hold" nodeType="clickEffect">
+                                  <p:stCondLst>
+                                    <p:cond delay="0"/>
+                                  </p:stCondLst>
+                                  <p:childTnLst>
+                                    <p:set>
+                                      <p:cBhvr>
+                                        <p:cTn id="22" dur="1" fill="hold">
+                                          <p:stCondLst>
+                                            <p:cond delay="0"/>
+                                          </p:stCondLst>
+                                        </p:cTn>
+                                        <p:tgtEl>
+                                          <p:spTgt spid="3">
+                                            <p:txEl>
+                                              <p:pRg st="5" end="5"/>
+                                            </p:txEl>
+                                          </p:spTgt>
+                                        </p:tgtEl>
+                                        <p:attrNameLst>
+                                          <p:attrName>style.visibility</p:attrName>
+                                        </p:attrNameLst>
+                                      </p:cBhvr>
+                                      <p:to>
+                                        <p:strVal val="visible"/>
+                                      </p:to>
+                                    </p:set>
+                                  </p:childTnLst>
+                                </p:cTn>
+                              </p:par>
+                            </p:childTnLst>
+                          </p:cTn>
+                        </p:par>
+                      </p:childTnLst>
+                    </p:cTn>
+                  </p:par>
+                </p:childTnLst>
+              </p:cTn>
+              <p:prevCondLst>
+                <p:cond evt="onPrev" delay="0">
+                  <p:tgtEl>
+                    <p:sldTgt/>
+                  </p:tgtEl>
+                </p:cond>
+              </p:prevCondLst>
+              <p:nextCondLst>
+                <p:cond evt="onNext" delay="0">
+                  <p:tgtEl>
+                    <p:sldTgt/>
+                  </p:tgtEl>
+                </p:cond>
+              </p:nextCondLst>
+            </p:seq>
+          </p:childTnLst>
+        </p:cTn>
+      </p:par>
+    </p:tnLst>
+  </p:timing>
+</p:sld>
+</file>
+
+<file path=ppt/slides/slide49.xml><?xml version="1.0" encoding="utf-8"?>
+<p:sld xmlns:a="http://schemas.openxmlformats.org/drawingml/2006/main" xmlns:r="http://schemas.openxmlformats.org/officeDocument/2006/relationships" xmlns:p="http://schemas.openxmlformats.org/presentationml/2006/main">
+  <p:cSld>
+    <p:spTree>
+      <p:nvGrpSpPr>
+        <p:cNvPr id="1" name=""/>
+        <p:cNvGrpSpPr/>
+        <p:nvPr/>
+      </p:nvGrpSpPr>
+      <p:grpSpPr>
+        <a:xfrm>
+          <a:off x="0" y="0"/>
+          <a:ext cx="0" cy="0"/>
+          <a:chOff x="0" y="0"/>
+          <a:chExt cx="0" cy="0"/>
+        </a:xfrm>
+      </p:grpSpPr>
+      <p:sp>
+        <p:nvSpPr>
           <p:cNvPr id="2" name="Title 1">
             <a:extLst>
               <a:ext uri="{FF2B5EF4-FFF2-40B4-BE49-F238E27FC236}">
@@ -33778,8 +34980,8 @@
           </a:p>
         </p:txBody>
       </p:sp>
-      <mc:AlternateContent xmlns:mc="http://schemas.openxmlformats.org/markup-compatibility/2006">
-        <mc:Choice xmlns:a14="http://schemas.microsoft.com/office/drawing/2010/main" Requires="a14">
+      <mc:AlternateContent xmlns:mc="http://schemas.openxmlformats.org/markup-compatibility/2006" xmlns:a14="http://schemas.microsoft.com/office/drawing/2010/main">
+        <mc:Choice Requires="a14">
           <p:sp>
             <p:nvSpPr>
               <p:cNvPr id="3" name="Content Placeholder 2">
@@ -34050,7 +35252,7 @@
             </p:txBody>
           </p:sp>
         </mc:Choice>
-        <mc:Fallback>
+        <mc:Fallback xmlns="">
           <p:sp>
             <p:nvSpPr>
               <p:cNvPr id="3" name="Content Placeholder 2">
@@ -34114,7 +35316,7 @@
             <a:fld id="{650AD656-6FF9-465D-B7B0-1CD0DD39CD23}" type="slidenum">
               <a:rPr lang="en-US" smtClean="0"/>
               <a:pPr/>
-              <a:t>47</a:t>
+              <a:t>49</a:t>
             </a:fld>
             <a:endParaRPr lang="en-US"/>
           </a:p>
@@ -34133,7 +35335,1102 @@
 </p:sld>
 </file>
 
-<file path=ppt/slides/slide48.xml><?xml version="1.0" encoding="utf-8"?>
+<file path=ppt/slides/slide5.xml><?xml version="1.0" encoding="utf-8"?>
+<p:sld xmlns:a="http://schemas.openxmlformats.org/drawingml/2006/main" xmlns:r="http://schemas.openxmlformats.org/officeDocument/2006/relationships" xmlns:p="http://schemas.openxmlformats.org/presentationml/2006/main">
+  <p:cSld>
+    <p:spTree>
+      <p:nvGrpSpPr>
+        <p:cNvPr id="1" name=""/>
+        <p:cNvGrpSpPr/>
+        <p:nvPr/>
+      </p:nvGrpSpPr>
+      <p:grpSpPr>
+        <a:xfrm>
+          <a:off x="0" y="0"/>
+          <a:ext cx="0" cy="0"/>
+          <a:chOff x="0" y="0"/>
+          <a:chExt cx="0" cy="0"/>
+        </a:xfrm>
+      </p:grpSpPr>
+      <p:sp>
+        <p:nvSpPr>
+          <p:cNvPr id="2" name="Title 1"/>
+          <p:cNvSpPr>
+            <a:spLocks noGrp="1"/>
+          </p:cNvSpPr>
+          <p:nvPr>
+            <p:ph type="title"/>
+          </p:nvPr>
+        </p:nvSpPr>
+        <p:spPr>
+          <a:xfrm>
+            <a:off x="628650" y="365126"/>
+            <a:ext cx="7886700" cy="1103455"/>
+          </a:xfrm>
+        </p:spPr>
+        <p:txBody>
+          <a:bodyPr>
+            <a:noAutofit/>
+          </a:bodyPr>
+          <a:lstStyle/>
+          <a:p>
+            <a:pPr algn="ctr"/>
+            <a:r>
+              <a:rPr lang="en-US" sz="3200" dirty="0">
+                <a:latin typeface="+mn-lt"/>
+              </a:rPr>
+              <a:t>Identifiers</a:t>
+            </a:r>
+          </a:p>
+        </p:txBody>
+      </p:sp>
+      <p:sp>
+        <p:nvSpPr>
+          <p:cNvPr id="3" name="Content Placeholder 2"/>
+          <p:cNvSpPr>
+            <a:spLocks noGrp="1"/>
+          </p:cNvSpPr>
+          <p:nvPr>
+            <p:ph idx="1"/>
+          </p:nvPr>
+        </p:nvSpPr>
+        <p:spPr>
+          <a:xfrm>
+            <a:off x="628650" y="1440993"/>
+            <a:ext cx="7886700" cy="4843689"/>
+          </a:xfrm>
+        </p:spPr>
+        <p:txBody>
+          <a:bodyPr>
+            <a:noAutofit/>
+          </a:bodyPr>
+          <a:lstStyle/>
+          <a:p>
+            <a:pPr>
+              <a:spcBef>
+                <a:spcPts val="0"/>
+              </a:spcBef>
+              <a:spcAft>
+                <a:spcPts val="1200"/>
+              </a:spcAft>
+            </a:pPr>
+            <a:r>
+              <a:rPr lang="en-US" sz="2400" dirty="0"/>
+              <a:t>Identifiers are just </a:t>
+            </a:r>
+            <a:r>
+              <a:rPr lang="en-US" sz="2400" b="1" dirty="0"/>
+              <a:t>names</a:t>
+            </a:r>
+            <a:r>
+              <a:rPr lang="en-US" sz="2400" dirty="0"/>
+              <a:t> – everything in code has a name</a:t>
+            </a:r>
+          </a:p>
+          <a:p>
+            <a:pPr lvl="1">
+              <a:spcBef>
+                <a:spcPts val="0"/>
+              </a:spcBef>
+              <a:spcAft>
+                <a:spcPts val="1200"/>
+              </a:spcAft>
+            </a:pPr>
+            <a:r>
+              <a:rPr lang="en-US" sz="2000" dirty="0"/>
+              <a:t>Names must be &lt; 64 chars in length</a:t>
+            </a:r>
+          </a:p>
+          <a:p>
+            <a:pPr lvl="1">
+              <a:spcBef>
+                <a:spcPts val="0"/>
+              </a:spcBef>
+              <a:spcAft>
+                <a:spcPts val="1200"/>
+              </a:spcAft>
+            </a:pPr>
+            <a:r>
+              <a:rPr lang="en-US" sz="2000" dirty="0"/>
+              <a:t>They can include upper- or lower-case letters &amp; numbers</a:t>
+            </a:r>
+          </a:p>
+          <a:p>
+            <a:pPr lvl="1">
+              <a:spcBef>
+                <a:spcPts val="0"/>
+              </a:spcBef>
+              <a:spcAft>
+                <a:spcPts val="1200"/>
+              </a:spcAft>
+            </a:pPr>
+            <a:r>
+              <a:rPr lang="en-US" sz="2000" dirty="0"/>
+              <a:t>Identifiers must start with a letter and </a:t>
+            </a:r>
+            <a:r>
+              <a:rPr lang="en-US" sz="2000" b="1" u="sng" dirty="0">
+                <a:solidFill>
+                  <a:srgbClr val="00B050"/>
+                </a:solidFill>
+              </a:rPr>
+              <a:t>cannot contain spaces!</a:t>
+            </a:r>
+          </a:p>
+          <a:p>
+            <a:pPr>
+              <a:spcBef>
+                <a:spcPts val="0"/>
+              </a:spcBef>
+              <a:spcAft>
+                <a:spcPts val="1200"/>
+              </a:spcAft>
+            </a:pPr>
+            <a:r>
+              <a:rPr lang="en-US" sz="2400" dirty="0"/>
+              <a:t>Three types of identifier “casing”</a:t>
+            </a:r>
+          </a:p>
+          <a:p>
+            <a:pPr marL="914400" lvl="1" indent="-457200">
+              <a:spcBef>
+                <a:spcPts val="0"/>
+              </a:spcBef>
+              <a:spcAft>
+                <a:spcPts val="1200"/>
+              </a:spcAft>
+              <a:buFont typeface="+mj-lt"/>
+              <a:buAutoNum type="arabicPeriod"/>
+            </a:pPr>
+            <a:r>
+              <a:rPr lang="en-US" sz="2000" dirty="0" err="1"/>
+              <a:t>CamelCaseEachWord</a:t>
+            </a:r>
+            <a:endParaRPr lang="en-US" sz="2000" dirty="0"/>
+          </a:p>
+          <a:p>
+            <a:pPr marL="914400" lvl="1" indent="-457200">
+              <a:spcBef>
+                <a:spcPts val="0"/>
+              </a:spcBef>
+              <a:spcAft>
+                <a:spcPts val="1200"/>
+              </a:spcAft>
+              <a:buFont typeface="+mj-lt"/>
+              <a:buAutoNum type="arabicPeriod"/>
+            </a:pPr>
+            <a:r>
+              <a:rPr lang="en-US" sz="2000" dirty="0" err="1"/>
+              <a:t>camelCaseEachWord</a:t>
+            </a:r>
+            <a:endParaRPr lang="en-US" sz="2000" dirty="0"/>
+          </a:p>
+          <a:p>
+            <a:pPr marL="914400" lvl="1" indent="-457200">
+              <a:spcBef>
+                <a:spcPts val="0"/>
+              </a:spcBef>
+              <a:spcAft>
+                <a:spcPts val="1200"/>
+              </a:spcAft>
+              <a:buFont typeface="+mj-lt"/>
+              <a:buAutoNum type="arabicPeriod"/>
+            </a:pPr>
+            <a:r>
+              <a:rPr lang="en-US" sz="2000" dirty="0"/>
+              <a:t>all </a:t>
+            </a:r>
+            <a:r>
+              <a:rPr lang="en-US" sz="2000" b="1" dirty="0" err="1"/>
+              <a:t>lower_case</a:t>
+            </a:r>
+            <a:r>
+              <a:rPr lang="en-US" sz="2000" b="1" dirty="0"/>
+              <a:t> </a:t>
+            </a:r>
+            <a:r>
+              <a:rPr lang="en-US" sz="2000" dirty="0"/>
+              <a:t>with underscores</a:t>
+            </a:r>
+          </a:p>
+          <a:p>
+            <a:pPr>
+              <a:spcBef>
+                <a:spcPts val="0"/>
+              </a:spcBef>
+              <a:spcAft>
+                <a:spcPts val="1200"/>
+              </a:spcAft>
+            </a:pPr>
+            <a:r>
+              <a:rPr lang="en-US" sz="2400" dirty="0"/>
+              <a:t>Identifiers in Python are</a:t>
+            </a:r>
+            <a:r>
+              <a:rPr lang="en-US" sz="2400" b="1" dirty="0">
+                <a:solidFill>
+                  <a:srgbClr val="FF0000"/>
+                </a:solidFill>
+              </a:rPr>
+              <a:t> case sensitive!!</a:t>
+            </a:r>
+          </a:p>
+          <a:p>
+            <a:pPr lvl="1">
+              <a:spcBef>
+                <a:spcPts val="0"/>
+              </a:spcBef>
+              <a:spcAft>
+                <a:spcPts val="1200"/>
+              </a:spcAft>
+            </a:pPr>
+            <a:r>
+              <a:rPr lang="en-US" sz="2000" b="1" i="1" dirty="0"/>
+              <a:t>x</a:t>
+            </a:r>
+            <a:r>
+              <a:rPr lang="en-US" sz="2000" i="1" dirty="0"/>
+              <a:t> is not the same as </a:t>
+            </a:r>
+            <a:r>
+              <a:rPr lang="en-US" sz="2000" b="1" i="1" dirty="0"/>
+              <a:t>X</a:t>
+            </a:r>
+          </a:p>
+          <a:p>
+            <a:pPr lvl="1">
+              <a:spcBef>
+                <a:spcPts val="0"/>
+              </a:spcBef>
+              <a:spcAft>
+                <a:spcPts val="1200"/>
+              </a:spcAft>
+            </a:pPr>
+            <a:r>
+              <a:rPr lang="en-US" sz="2000" dirty="0"/>
+              <a:t>Use ALLCAPS to define global constants (very rare)</a:t>
+            </a:r>
+          </a:p>
+        </p:txBody>
+      </p:sp>
+      <p:sp>
+        <p:nvSpPr>
+          <p:cNvPr id="4" name="Slide Number Placeholder 3"/>
+          <p:cNvSpPr>
+            <a:spLocks noGrp="1"/>
+          </p:cNvSpPr>
+          <p:nvPr>
+            <p:ph type="sldNum" sz="quarter" idx="12"/>
+          </p:nvPr>
+        </p:nvSpPr>
+        <p:spPr/>
+        <p:txBody>
+          <a:bodyPr/>
+          <a:lstStyle/>
+          <a:p>
+            <a:fld id="{650AD656-6FF9-465D-B7B0-1CD0DD39CD23}" type="slidenum">
+              <a:rPr lang="en-US" smtClean="0"/>
+              <a:t>5</a:t>
+            </a:fld>
+            <a:endParaRPr lang="en-US" dirty="0"/>
+          </a:p>
+        </p:txBody>
+      </p:sp>
+      <p:sp>
+        <p:nvSpPr>
+          <p:cNvPr id="5" name="TextBox 4">
+            <a:extLst>
+              <a:ext uri="{FF2B5EF4-FFF2-40B4-BE49-F238E27FC236}">
+                <a16:creationId xmlns:a16="http://schemas.microsoft.com/office/drawing/2014/main" id="{B0CC2226-5390-4814-912E-22A654328676}"/>
+              </a:ext>
+            </a:extLst>
+          </p:cNvPr>
+          <p:cNvSpPr txBox="1"/>
+          <p:nvPr/>
+        </p:nvSpPr>
+        <p:spPr>
+          <a:xfrm>
+            <a:off x="5095570" y="4062143"/>
+            <a:ext cx="3148780" cy="400110"/>
+          </a:xfrm>
+          <a:prstGeom prst="rect">
+            <a:avLst/>
+          </a:prstGeom>
+          <a:noFill/>
+        </p:spPr>
+        <p:txBody>
+          <a:bodyPr wrap="square" rtlCol="0">
+            <a:spAutoFit/>
+          </a:bodyPr>
+          <a:lstStyle/>
+          <a:p>
+            <a:r>
+              <a:rPr lang="en-US" sz="2000" dirty="0"/>
+              <a:t>(first letter </a:t>
+            </a:r>
+            <a:r>
+              <a:rPr lang="en-US" sz="2000" u="sng" dirty="0"/>
+              <a:t>is not</a:t>
+            </a:r>
+            <a:r>
+              <a:rPr lang="en-US" sz="2000" dirty="0"/>
+              <a:t> capitalized)</a:t>
+            </a:r>
+          </a:p>
+        </p:txBody>
+      </p:sp>
+      <p:sp>
+        <p:nvSpPr>
+          <p:cNvPr id="6" name="TextBox 5">
+            <a:extLst>
+              <a:ext uri="{FF2B5EF4-FFF2-40B4-BE49-F238E27FC236}">
+                <a16:creationId xmlns:a16="http://schemas.microsoft.com/office/drawing/2014/main" id="{EAC213DB-2C06-47E5-9329-AD9E72361A86}"/>
+              </a:ext>
+            </a:extLst>
+          </p:cNvPr>
+          <p:cNvSpPr txBox="1"/>
+          <p:nvPr/>
+        </p:nvSpPr>
+        <p:spPr>
+          <a:xfrm>
+            <a:off x="5095570" y="4505461"/>
+            <a:ext cx="3148780" cy="400110"/>
+          </a:xfrm>
+          <a:prstGeom prst="rect">
+            <a:avLst/>
+          </a:prstGeom>
+          <a:noFill/>
+        </p:spPr>
+        <p:txBody>
+          <a:bodyPr wrap="square" rtlCol="0">
+            <a:spAutoFit/>
+          </a:bodyPr>
+          <a:lstStyle/>
+          <a:p>
+            <a:r>
+              <a:rPr lang="en-US" sz="2000" b="1" dirty="0">
+                <a:solidFill>
+                  <a:srgbClr val="0070C0"/>
+                </a:solidFill>
+              </a:rPr>
+              <a:t>(Snake case in Python!)</a:t>
+            </a:r>
+            <a:endParaRPr lang="en-US" sz="2000" dirty="0"/>
+          </a:p>
+        </p:txBody>
+      </p:sp>
+      <p:sp>
+        <p:nvSpPr>
+          <p:cNvPr id="7" name="TextBox 6">
+            <a:extLst>
+              <a:ext uri="{FF2B5EF4-FFF2-40B4-BE49-F238E27FC236}">
+                <a16:creationId xmlns:a16="http://schemas.microsoft.com/office/drawing/2014/main" id="{0B66E2F5-A11B-444F-A0C7-3CA382B431D3}"/>
+              </a:ext>
+            </a:extLst>
+          </p:cNvPr>
+          <p:cNvSpPr txBox="1"/>
+          <p:nvPr/>
+        </p:nvSpPr>
+        <p:spPr>
+          <a:xfrm>
+            <a:off x="5095570" y="3633572"/>
+            <a:ext cx="3148780" cy="400110"/>
+          </a:xfrm>
+          <a:prstGeom prst="rect">
+            <a:avLst/>
+          </a:prstGeom>
+          <a:noFill/>
+        </p:spPr>
+        <p:txBody>
+          <a:bodyPr wrap="square" rtlCol="0">
+            <a:spAutoFit/>
+          </a:bodyPr>
+          <a:lstStyle/>
+          <a:p>
+            <a:r>
+              <a:rPr lang="en-US" sz="2000" dirty="0"/>
+              <a:t>(first letter </a:t>
+            </a:r>
+            <a:r>
+              <a:rPr lang="en-US" sz="2000" u="sng" dirty="0"/>
+              <a:t>is</a:t>
+            </a:r>
+            <a:r>
+              <a:rPr lang="en-US" sz="2000" dirty="0"/>
+              <a:t> Capitalized)</a:t>
+            </a:r>
+          </a:p>
+        </p:txBody>
+      </p:sp>
+      <p:sp>
+        <p:nvSpPr>
+          <p:cNvPr id="8" name="TextBox 7">
+            <a:extLst>
+              <a:ext uri="{FF2B5EF4-FFF2-40B4-BE49-F238E27FC236}">
+                <a16:creationId xmlns:a16="http://schemas.microsoft.com/office/drawing/2014/main" id="{E68BF6E3-7E00-4FC0-937A-6A099BD6301F}"/>
+              </a:ext>
+            </a:extLst>
+          </p:cNvPr>
+          <p:cNvSpPr txBox="1"/>
+          <p:nvPr/>
+        </p:nvSpPr>
+        <p:spPr>
+          <a:xfrm>
+            <a:off x="7742902" y="4563420"/>
+            <a:ext cx="289437" cy="369332"/>
+          </a:xfrm>
+          <a:prstGeom prst="rect">
+            <a:avLst/>
+          </a:prstGeom>
+          <a:noFill/>
+        </p:spPr>
+        <p:txBody>
+          <a:bodyPr wrap="square" rtlCol="0">
+            <a:spAutoFit/>
+          </a:bodyPr>
+          <a:lstStyle/>
+          <a:p>
+            <a:pPr algn="ctr"/>
+            <a:r>
+              <a:rPr lang="en-US" b="1" dirty="0">
+                <a:ln>
+                  <a:solidFill>
+                    <a:srgbClr val="0070C0"/>
+                  </a:solidFill>
+                </a:ln>
+                <a:solidFill>
+                  <a:srgbClr val="0070C0"/>
+                </a:solidFill>
+                <a:sym typeface="Wingdings" panose="05000000000000000000" pitchFamily="2" charset="2"/>
+              </a:rPr>
+              <a:t></a:t>
+            </a:r>
+            <a:endParaRPr lang="en-US" b="1" dirty="0">
+              <a:ln>
+                <a:solidFill>
+                  <a:srgbClr val="0070C0"/>
+                </a:solidFill>
+              </a:ln>
+              <a:solidFill>
+                <a:srgbClr val="0070C0"/>
+              </a:solidFill>
+            </a:endParaRPr>
+          </a:p>
+        </p:txBody>
+      </p:sp>
+    </p:spTree>
+    <p:extLst>
+      <p:ext uri="{BB962C8B-B14F-4D97-AF65-F5344CB8AC3E}">
+        <p14:creationId xmlns:p14="http://schemas.microsoft.com/office/powerpoint/2010/main" val="3998899046"/>
+      </p:ext>
+    </p:extLst>
+  </p:cSld>
+  <p:clrMapOvr>
+    <a:masterClrMapping/>
+  </p:clrMapOvr>
+  <p:timing>
+    <p:tnLst>
+      <p:par>
+        <p:cTn id="1" dur="indefinite" restart="never" nodeType="tmRoot">
+          <p:childTnLst>
+            <p:seq concurrent="1" nextAc="seek">
+              <p:cTn id="2" dur="indefinite" nodeType="mainSeq">
+                <p:childTnLst>
+                  <p:par>
+                    <p:cTn id="3" fill="hold">
+                      <p:stCondLst>
+                        <p:cond delay="indefinite"/>
+                      </p:stCondLst>
+                      <p:childTnLst>
+                        <p:par>
+                          <p:cTn id="4" fill="hold">
+                            <p:stCondLst>
+                              <p:cond delay="0"/>
+                            </p:stCondLst>
+                            <p:childTnLst>
+                              <p:par>
+                                <p:cTn id="5" presetID="1" presetClass="entr" presetSubtype="0" fill="hold" nodeType="clickEffect">
+                                  <p:stCondLst>
+                                    <p:cond delay="0"/>
+                                  </p:stCondLst>
+                                  <p:childTnLst>
+                                    <p:set>
+                                      <p:cBhvr>
+                                        <p:cTn id="6" dur="1" fill="hold">
+                                          <p:stCondLst>
+                                            <p:cond delay="0"/>
+                                          </p:stCondLst>
+                                        </p:cTn>
+                                        <p:tgtEl>
+                                          <p:spTgt spid="3">
+                                            <p:txEl>
+                                              <p:pRg st="4" end="4"/>
+                                            </p:txEl>
+                                          </p:spTgt>
+                                        </p:tgtEl>
+                                        <p:attrNameLst>
+                                          <p:attrName>style.visibility</p:attrName>
+                                        </p:attrNameLst>
+                                      </p:cBhvr>
+                                      <p:to>
+                                        <p:strVal val="visible"/>
+                                      </p:to>
+                                    </p:set>
+                                  </p:childTnLst>
+                                </p:cTn>
+                              </p:par>
+                              <p:par>
+                                <p:cTn id="7" presetID="1" presetClass="entr" presetSubtype="0" fill="hold" nodeType="withEffect">
+                                  <p:stCondLst>
+                                    <p:cond delay="0"/>
+                                  </p:stCondLst>
+                                  <p:childTnLst>
+                                    <p:set>
+                                      <p:cBhvr>
+                                        <p:cTn id="8" dur="1" fill="hold">
+                                          <p:stCondLst>
+                                            <p:cond delay="0"/>
+                                          </p:stCondLst>
+                                        </p:cTn>
+                                        <p:tgtEl>
+                                          <p:spTgt spid="3">
+                                            <p:txEl>
+                                              <p:pRg st="5" end="5"/>
+                                            </p:txEl>
+                                          </p:spTgt>
+                                        </p:tgtEl>
+                                        <p:attrNameLst>
+                                          <p:attrName>style.visibility</p:attrName>
+                                        </p:attrNameLst>
+                                      </p:cBhvr>
+                                      <p:to>
+                                        <p:strVal val="visible"/>
+                                      </p:to>
+                                    </p:set>
+                                  </p:childTnLst>
+                                </p:cTn>
+                              </p:par>
+                              <p:par>
+                                <p:cTn id="9" presetID="1" presetClass="entr" presetSubtype="0" fill="hold" nodeType="withEffect">
+                                  <p:stCondLst>
+                                    <p:cond delay="0"/>
+                                  </p:stCondLst>
+                                  <p:childTnLst>
+                                    <p:set>
+                                      <p:cBhvr>
+                                        <p:cTn id="10" dur="1" fill="hold">
+                                          <p:stCondLst>
+                                            <p:cond delay="0"/>
+                                          </p:stCondLst>
+                                        </p:cTn>
+                                        <p:tgtEl>
+                                          <p:spTgt spid="3">
+                                            <p:txEl>
+                                              <p:pRg st="6" end="6"/>
+                                            </p:txEl>
+                                          </p:spTgt>
+                                        </p:tgtEl>
+                                        <p:attrNameLst>
+                                          <p:attrName>style.visibility</p:attrName>
+                                        </p:attrNameLst>
+                                      </p:cBhvr>
+                                      <p:to>
+                                        <p:strVal val="visible"/>
+                                      </p:to>
+                                    </p:set>
+                                  </p:childTnLst>
+                                </p:cTn>
+                              </p:par>
+                              <p:par>
+                                <p:cTn id="11" presetID="1" presetClass="entr" presetSubtype="0" fill="hold" nodeType="withEffect">
+                                  <p:stCondLst>
+                                    <p:cond delay="0"/>
+                                  </p:stCondLst>
+                                  <p:childTnLst>
+                                    <p:set>
+                                      <p:cBhvr>
+                                        <p:cTn id="12" dur="1" fill="hold">
+                                          <p:stCondLst>
+                                            <p:cond delay="0"/>
+                                          </p:stCondLst>
+                                        </p:cTn>
+                                        <p:tgtEl>
+                                          <p:spTgt spid="3">
+                                            <p:txEl>
+                                              <p:pRg st="7" end="7"/>
+                                            </p:txEl>
+                                          </p:spTgt>
+                                        </p:tgtEl>
+                                        <p:attrNameLst>
+                                          <p:attrName>style.visibility</p:attrName>
+                                        </p:attrNameLst>
+                                      </p:cBhvr>
+                                      <p:to>
+                                        <p:strVal val="visible"/>
+                                      </p:to>
+                                    </p:set>
+                                  </p:childTnLst>
+                                </p:cTn>
+                              </p:par>
+                            </p:childTnLst>
+                          </p:cTn>
+                        </p:par>
+                        <p:par>
+                          <p:cTn id="13" fill="hold">
+                            <p:stCondLst>
+                              <p:cond delay="0"/>
+                            </p:stCondLst>
+                            <p:childTnLst>
+                              <p:par>
+                                <p:cTn id="14" presetID="2" presetClass="entr" presetSubtype="2" fill="hold" grpId="0" nodeType="afterEffect">
+                                  <p:stCondLst>
+                                    <p:cond delay="0"/>
+                                  </p:stCondLst>
+                                  <p:childTnLst>
+                                    <p:set>
+                                      <p:cBhvr>
+                                        <p:cTn id="15" dur="1" fill="hold">
+                                          <p:stCondLst>
+                                            <p:cond delay="0"/>
+                                          </p:stCondLst>
+                                        </p:cTn>
+                                        <p:tgtEl>
+                                          <p:spTgt spid="7"/>
+                                        </p:tgtEl>
+                                        <p:attrNameLst>
+                                          <p:attrName>style.visibility</p:attrName>
+                                        </p:attrNameLst>
+                                      </p:cBhvr>
+                                      <p:to>
+                                        <p:strVal val="visible"/>
+                                      </p:to>
+                                    </p:set>
+                                    <p:anim calcmode="lin" valueType="num">
+                                      <p:cBhvr additive="base">
+                                        <p:cTn id="16" dur="500" fill="hold"/>
+                                        <p:tgtEl>
+                                          <p:spTgt spid="7"/>
+                                        </p:tgtEl>
+                                        <p:attrNameLst>
+                                          <p:attrName>ppt_x</p:attrName>
+                                        </p:attrNameLst>
+                                      </p:cBhvr>
+                                      <p:tavLst>
+                                        <p:tav tm="0">
+                                          <p:val>
+                                            <p:strVal val="1+#ppt_w/2"/>
+                                          </p:val>
+                                        </p:tav>
+                                        <p:tav tm="100000">
+                                          <p:val>
+                                            <p:strVal val="#ppt_x"/>
+                                          </p:val>
+                                        </p:tav>
+                                      </p:tavLst>
+                                    </p:anim>
+                                    <p:anim calcmode="lin" valueType="num">
+                                      <p:cBhvr additive="base">
+                                        <p:cTn id="17" dur="500" fill="hold"/>
+                                        <p:tgtEl>
+                                          <p:spTgt spid="7"/>
+                                        </p:tgtEl>
+                                        <p:attrNameLst>
+                                          <p:attrName>ppt_y</p:attrName>
+                                        </p:attrNameLst>
+                                      </p:cBhvr>
+                                      <p:tavLst>
+                                        <p:tav tm="0">
+                                          <p:val>
+                                            <p:strVal val="#ppt_y"/>
+                                          </p:val>
+                                        </p:tav>
+                                        <p:tav tm="100000">
+                                          <p:val>
+                                            <p:strVal val="#ppt_y"/>
+                                          </p:val>
+                                        </p:tav>
+                                      </p:tavLst>
+                                    </p:anim>
+                                  </p:childTnLst>
+                                </p:cTn>
+                              </p:par>
+                              <p:par>
+                                <p:cTn id="18" presetID="2" presetClass="entr" presetSubtype="2" fill="hold" grpId="0" nodeType="withEffect">
+                                  <p:stCondLst>
+                                    <p:cond delay="0"/>
+                                  </p:stCondLst>
+                                  <p:childTnLst>
+                                    <p:set>
+                                      <p:cBhvr>
+                                        <p:cTn id="19" dur="1" fill="hold">
+                                          <p:stCondLst>
+                                            <p:cond delay="0"/>
+                                          </p:stCondLst>
+                                        </p:cTn>
+                                        <p:tgtEl>
+                                          <p:spTgt spid="5"/>
+                                        </p:tgtEl>
+                                        <p:attrNameLst>
+                                          <p:attrName>style.visibility</p:attrName>
+                                        </p:attrNameLst>
+                                      </p:cBhvr>
+                                      <p:to>
+                                        <p:strVal val="visible"/>
+                                      </p:to>
+                                    </p:set>
+                                    <p:anim calcmode="lin" valueType="num">
+                                      <p:cBhvr additive="base">
+                                        <p:cTn id="20" dur="500" fill="hold"/>
+                                        <p:tgtEl>
+                                          <p:spTgt spid="5"/>
+                                        </p:tgtEl>
+                                        <p:attrNameLst>
+                                          <p:attrName>ppt_x</p:attrName>
+                                        </p:attrNameLst>
+                                      </p:cBhvr>
+                                      <p:tavLst>
+                                        <p:tav tm="0">
+                                          <p:val>
+                                            <p:strVal val="1+#ppt_w/2"/>
+                                          </p:val>
+                                        </p:tav>
+                                        <p:tav tm="100000">
+                                          <p:val>
+                                            <p:strVal val="#ppt_x"/>
+                                          </p:val>
+                                        </p:tav>
+                                      </p:tavLst>
+                                    </p:anim>
+                                    <p:anim calcmode="lin" valueType="num">
+                                      <p:cBhvr additive="base">
+                                        <p:cTn id="21" dur="500" fill="hold"/>
+                                        <p:tgtEl>
+                                          <p:spTgt spid="5"/>
+                                        </p:tgtEl>
+                                        <p:attrNameLst>
+                                          <p:attrName>ppt_y</p:attrName>
+                                        </p:attrNameLst>
+                                      </p:cBhvr>
+                                      <p:tavLst>
+                                        <p:tav tm="0">
+                                          <p:val>
+                                            <p:strVal val="#ppt_y"/>
+                                          </p:val>
+                                        </p:tav>
+                                        <p:tav tm="100000">
+                                          <p:val>
+                                            <p:strVal val="#ppt_y"/>
+                                          </p:val>
+                                        </p:tav>
+                                      </p:tavLst>
+                                    </p:anim>
+                                  </p:childTnLst>
+                                </p:cTn>
+                              </p:par>
+                              <p:par>
+                                <p:cTn id="22" presetID="2" presetClass="entr" presetSubtype="2" fill="hold" grpId="0" nodeType="withEffect">
+                                  <p:stCondLst>
+                                    <p:cond delay="0"/>
+                                  </p:stCondLst>
+                                  <p:childTnLst>
+                                    <p:set>
+                                      <p:cBhvr>
+                                        <p:cTn id="23" dur="1" fill="hold">
+                                          <p:stCondLst>
+                                            <p:cond delay="0"/>
+                                          </p:stCondLst>
+                                        </p:cTn>
+                                        <p:tgtEl>
+                                          <p:spTgt spid="6"/>
+                                        </p:tgtEl>
+                                        <p:attrNameLst>
+                                          <p:attrName>style.visibility</p:attrName>
+                                        </p:attrNameLst>
+                                      </p:cBhvr>
+                                      <p:to>
+                                        <p:strVal val="visible"/>
+                                      </p:to>
+                                    </p:set>
+                                    <p:anim calcmode="lin" valueType="num">
+                                      <p:cBhvr additive="base">
+                                        <p:cTn id="24" dur="500" fill="hold"/>
+                                        <p:tgtEl>
+                                          <p:spTgt spid="6"/>
+                                        </p:tgtEl>
+                                        <p:attrNameLst>
+                                          <p:attrName>ppt_x</p:attrName>
+                                        </p:attrNameLst>
+                                      </p:cBhvr>
+                                      <p:tavLst>
+                                        <p:tav tm="0">
+                                          <p:val>
+                                            <p:strVal val="1+#ppt_w/2"/>
+                                          </p:val>
+                                        </p:tav>
+                                        <p:tav tm="100000">
+                                          <p:val>
+                                            <p:strVal val="#ppt_x"/>
+                                          </p:val>
+                                        </p:tav>
+                                      </p:tavLst>
+                                    </p:anim>
+                                    <p:anim calcmode="lin" valueType="num">
+                                      <p:cBhvr additive="base">
+                                        <p:cTn id="25" dur="500" fill="hold"/>
+                                        <p:tgtEl>
+                                          <p:spTgt spid="6"/>
+                                        </p:tgtEl>
+                                        <p:attrNameLst>
+                                          <p:attrName>ppt_y</p:attrName>
+                                        </p:attrNameLst>
+                                      </p:cBhvr>
+                                      <p:tavLst>
+                                        <p:tav tm="0">
+                                          <p:val>
+                                            <p:strVal val="#ppt_y"/>
+                                          </p:val>
+                                        </p:tav>
+                                        <p:tav tm="100000">
+                                          <p:val>
+                                            <p:strVal val="#ppt_y"/>
+                                          </p:val>
+                                        </p:tav>
+                                      </p:tavLst>
+                                    </p:anim>
+                                  </p:childTnLst>
+                                </p:cTn>
+                              </p:par>
+                            </p:childTnLst>
+                          </p:cTn>
+                        </p:par>
+                        <p:par>
+                          <p:cTn id="26" fill="hold">
+                            <p:stCondLst>
+                              <p:cond delay="500"/>
+                            </p:stCondLst>
+                            <p:childTnLst>
+                              <p:par>
+                                <p:cTn id="27" presetID="2" presetClass="entr" presetSubtype="1" fill="hold" grpId="0" nodeType="afterEffect">
+                                  <p:stCondLst>
+                                    <p:cond delay="0"/>
+                                  </p:stCondLst>
+                                  <p:childTnLst>
+                                    <p:set>
+                                      <p:cBhvr>
+                                        <p:cTn id="28" dur="1" fill="hold">
+                                          <p:stCondLst>
+                                            <p:cond delay="0"/>
+                                          </p:stCondLst>
+                                        </p:cTn>
+                                        <p:tgtEl>
+                                          <p:spTgt spid="8"/>
+                                        </p:tgtEl>
+                                        <p:attrNameLst>
+                                          <p:attrName>style.visibility</p:attrName>
+                                        </p:attrNameLst>
+                                      </p:cBhvr>
+                                      <p:to>
+                                        <p:strVal val="visible"/>
+                                      </p:to>
+                                    </p:set>
+                                    <p:anim calcmode="lin" valueType="num">
+                                      <p:cBhvr additive="base">
+                                        <p:cTn id="29" dur="500" fill="hold"/>
+                                        <p:tgtEl>
+                                          <p:spTgt spid="8"/>
+                                        </p:tgtEl>
+                                        <p:attrNameLst>
+                                          <p:attrName>ppt_x</p:attrName>
+                                        </p:attrNameLst>
+                                      </p:cBhvr>
+                                      <p:tavLst>
+                                        <p:tav tm="0">
+                                          <p:val>
+                                            <p:strVal val="#ppt_x"/>
+                                          </p:val>
+                                        </p:tav>
+                                        <p:tav tm="100000">
+                                          <p:val>
+                                            <p:strVal val="#ppt_x"/>
+                                          </p:val>
+                                        </p:tav>
+                                      </p:tavLst>
+                                    </p:anim>
+                                    <p:anim calcmode="lin" valueType="num">
+                                      <p:cBhvr additive="base">
+                                        <p:cTn id="30" dur="500" fill="hold"/>
+                                        <p:tgtEl>
+                                          <p:spTgt spid="8"/>
+                                        </p:tgtEl>
+                                        <p:attrNameLst>
+                                          <p:attrName>ppt_y</p:attrName>
+                                        </p:attrNameLst>
+                                      </p:cBhvr>
+                                      <p:tavLst>
+                                        <p:tav tm="0">
+                                          <p:val>
+                                            <p:strVal val="0-#ppt_h/2"/>
+                                          </p:val>
+                                        </p:tav>
+                                        <p:tav tm="100000">
+                                          <p:val>
+                                            <p:strVal val="#ppt_y"/>
+                                          </p:val>
+                                        </p:tav>
+                                      </p:tavLst>
+                                    </p:anim>
+                                  </p:childTnLst>
+                                </p:cTn>
+                              </p:par>
+                            </p:childTnLst>
+                          </p:cTn>
+                        </p:par>
+                      </p:childTnLst>
+                    </p:cTn>
+                  </p:par>
+                  <p:par>
+                    <p:cTn id="31" fill="hold">
+                      <p:stCondLst>
+                        <p:cond delay="indefinite"/>
+                      </p:stCondLst>
+                      <p:childTnLst>
+                        <p:par>
+                          <p:cTn id="32" fill="hold">
+                            <p:stCondLst>
+                              <p:cond delay="0"/>
+                            </p:stCondLst>
+                            <p:childTnLst>
+                              <p:par>
+                                <p:cTn id="33" presetID="1" presetClass="entr" presetSubtype="0" fill="hold" nodeType="clickEffect">
+                                  <p:stCondLst>
+                                    <p:cond delay="0"/>
+                                  </p:stCondLst>
+                                  <p:childTnLst>
+                                    <p:set>
+                                      <p:cBhvr>
+                                        <p:cTn id="34" dur="1" fill="hold">
+                                          <p:stCondLst>
+                                            <p:cond delay="0"/>
+                                          </p:stCondLst>
+                                        </p:cTn>
+                                        <p:tgtEl>
+                                          <p:spTgt spid="3">
+                                            <p:txEl>
+                                              <p:pRg st="8" end="8"/>
+                                            </p:txEl>
+                                          </p:spTgt>
+                                        </p:tgtEl>
+                                        <p:attrNameLst>
+                                          <p:attrName>style.visibility</p:attrName>
+                                        </p:attrNameLst>
+                                      </p:cBhvr>
+                                      <p:to>
+                                        <p:strVal val="visible"/>
+                                      </p:to>
+                                    </p:set>
+                                  </p:childTnLst>
+                                </p:cTn>
+                              </p:par>
+                              <p:par>
+                                <p:cTn id="35" presetID="1" presetClass="entr" presetSubtype="0" fill="hold" nodeType="withEffect">
+                                  <p:stCondLst>
+                                    <p:cond delay="0"/>
+                                  </p:stCondLst>
+                                  <p:childTnLst>
+                                    <p:set>
+                                      <p:cBhvr>
+                                        <p:cTn id="36" dur="1" fill="hold">
+                                          <p:stCondLst>
+                                            <p:cond delay="0"/>
+                                          </p:stCondLst>
+                                        </p:cTn>
+                                        <p:tgtEl>
+                                          <p:spTgt spid="3">
+                                            <p:txEl>
+                                              <p:pRg st="9" end="9"/>
+                                            </p:txEl>
+                                          </p:spTgt>
+                                        </p:tgtEl>
+                                        <p:attrNameLst>
+                                          <p:attrName>style.visibility</p:attrName>
+                                        </p:attrNameLst>
+                                      </p:cBhvr>
+                                      <p:to>
+                                        <p:strVal val="visible"/>
+                                      </p:to>
+                                    </p:set>
+                                  </p:childTnLst>
+                                </p:cTn>
+                              </p:par>
+                              <p:par>
+                                <p:cTn id="37" presetID="1" presetClass="entr" presetSubtype="0" fill="hold" nodeType="withEffect">
+                                  <p:stCondLst>
+                                    <p:cond delay="0"/>
+                                  </p:stCondLst>
+                                  <p:childTnLst>
+                                    <p:set>
+                                      <p:cBhvr>
+                                        <p:cTn id="38" dur="1" fill="hold">
+                                          <p:stCondLst>
+                                            <p:cond delay="0"/>
+                                          </p:stCondLst>
+                                        </p:cTn>
+                                        <p:tgtEl>
+                                          <p:spTgt spid="3">
+                                            <p:txEl>
+                                              <p:pRg st="10" end="10"/>
+                                            </p:txEl>
+                                          </p:spTgt>
+                                        </p:tgtEl>
+                                        <p:attrNameLst>
+                                          <p:attrName>style.visibility</p:attrName>
+                                        </p:attrNameLst>
+                                      </p:cBhvr>
+                                      <p:to>
+                                        <p:strVal val="visible"/>
+                                      </p:to>
+                                    </p:set>
+                                  </p:childTnLst>
+                                </p:cTn>
+                              </p:par>
+                            </p:childTnLst>
+                          </p:cTn>
+                        </p:par>
+                      </p:childTnLst>
+                    </p:cTn>
+                  </p:par>
+                </p:childTnLst>
+              </p:cTn>
+              <p:prevCondLst>
+                <p:cond evt="onPrev" delay="0">
+                  <p:tgtEl>
+                    <p:sldTgt/>
+                  </p:tgtEl>
+                </p:cond>
+              </p:prevCondLst>
+              <p:nextCondLst>
+                <p:cond evt="onNext" delay="0">
+                  <p:tgtEl>
+                    <p:sldTgt/>
+                  </p:tgtEl>
+                </p:cond>
+              </p:nextCondLst>
+            </p:seq>
+          </p:childTnLst>
+        </p:cTn>
+      </p:par>
+    </p:tnLst>
+    <p:bldLst>
+      <p:bldP spid="5" grpId="0"/>
+      <p:bldP spid="6" grpId="0"/>
+      <p:bldP spid="7" grpId="0"/>
+      <p:bldP spid="8" grpId="0"/>
+    </p:bldLst>
+  </p:timing>
+</p:sld>
+</file>
+
+<file path=ppt/slides/slide50.xml><?xml version="1.0" encoding="utf-8"?>
 <p:sld xmlns:a="http://schemas.openxmlformats.org/drawingml/2006/main" xmlns:r="http://schemas.openxmlformats.org/officeDocument/2006/relationships" xmlns:p="http://schemas.openxmlformats.org/presentationml/2006/main">
   <p:cSld>
     <p:spTree>
@@ -34260,7 +36557,15 @@
             </a:pPr>
             <a:r>
               <a:rPr lang="en-US" sz="2400" dirty="0"/>
-              <a:t>Format the output of the two sums using a comma as the thousands separator</a:t>
+              <a:t>Format the output of the two sums using a comma as </a:t>
+            </a:r>
+            <a:r>
+              <a:rPr lang="en-US" sz="2400"/>
+              <a:t>the thousand's </a:t>
+            </a:r>
+            <a:r>
+              <a:rPr lang="en-US" sz="2400" dirty="0"/>
+              <a:t>separator</a:t>
             </a:r>
           </a:p>
           <a:p>
@@ -34296,7 +36601,7 @@
           <a:p>
             <a:fld id="{650AD656-6FF9-465D-B7B0-1CD0DD39CD23}" type="slidenum">
               <a:rPr lang="en-US" smtClean="0"/>
-              <a:t>48</a:t>
+              <a:t>50</a:t>
             </a:fld>
             <a:endParaRPr lang="en-US" dirty="0"/>
           </a:p>
@@ -34492,7 +36797,7 @@
 </p:sld>
 </file>
 
-<file path=ppt/slides/slide49.xml><?xml version="1.0" encoding="utf-8"?>
+<file path=ppt/slides/slide51.xml><?xml version="1.0" encoding="utf-8"?>
 <p:sld xmlns:a="http://schemas.openxmlformats.org/drawingml/2006/main" xmlns:r="http://schemas.openxmlformats.org/officeDocument/2006/relationships" xmlns:p="http://schemas.openxmlformats.org/presentationml/2006/main">
   <p:cSld>
     <p:spTree>
@@ -36476,7 +38781,7 @@
           <a:p>
             <a:fld id="{650AD656-6FF9-465D-B7B0-1CD0DD39CD23}" type="slidenum">
               <a:rPr lang="en-US" smtClean="0"/>
-              <a:t>49</a:t>
+              <a:t>51</a:t>
             </a:fld>
             <a:endParaRPr lang="en-US" dirty="0"/>
           </a:p>
@@ -37419,1102 +39724,7 @@
 </p:sld>
 </file>
 
-<file path=ppt/slides/slide5.xml><?xml version="1.0" encoding="utf-8"?>
-<p:sld xmlns:a="http://schemas.openxmlformats.org/drawingml/2006/main" xmlns:r="http://schemas.openxmlformats.org/officeDocument/2006/relationships" xmlns:p="http://schemas.openxmlformats.org/presentationml/2006/main">
-  <p:cSld>
-    <p:spTree>
-      <p:nvGrpSpPr>
-        <p:cNvPr id="1" name=""/>
-        <p:cNvGrpSpPr/>
-        <p:nvPr/>
-      </p:nvGrpSpPr>
-      <p:grpSpPr>
-        <a:xfrm>
-          <a:off x="0" y="0"/>
-          <a:ext cx="0" cy="0"/>
-          <a:chOff x="0" y="0"/>
-          <a:chExt cx="0" cy="0"/>
-        </a:xfrm>
-      </p:grpSpPr>
-      <p:sp>
-        <p:nvSpPr>
-          <p:cNvPr id="2" name="Title 1"/>
-          <p:cNvSpPr>
-            <a:spLocks noGrp="1"/>
-          </p:cNvSpPr>
-          <p:nvPr>
-            <p:ph type="title"/>
-          </p:nvPr>
-        </p:nvSpPr>
-        <p:spPr>
-          <a:xfrm>
-            <a:off x="628650" y="365126"/>
-            <a:ext cx="7886700" cy="1103455"/>
-          </a:xfrm>
-        </p:spPr>
-        <p:txBody>
-          <a:bodyPr>
-            <a:noAutofit/>
-          </a:bodyPr>
-          <a:lstStyle/>
-          <a:p>
-            <a:pPr algn="ctr"/>
-            <a:r>
-              <a:rPr lang="en-US" sz="3200" dirty="0">
-                <a:latin typeface="+mn-lt"/>
-              </a:rPr>
-              <a:t>Identifiers</a:t>
-            </a:r>
-          </a:p>
-        </p:txBody>
-      </p:sp>
-      <p:sp>
-        <p:nvSpPr>
-          <p:cNvPr id="3" name="Content Placeholder 2"/>
-          <p:cNvSpPr>
-            <a:spLocks noGrp="1"/>
-          </p:cNvSpPr>
-          <p:nvPr>
-            <p:ph idx="1"/>
-          </p:nvPr>
-        </p:nvSpPr>
-        <p:spPr>
-          <a:xfrm>
-            <a:off x="628650" y="1440993"/>
-            <a:ext cx="7886700" cy="4843689"/>
-          </a:xfrm>
-        </p:spPr>
-        <p:txBody>
-          <a:bodyPr>
-            <a:noAutofit/>
-          </a:bodyPr>
-          <a:lstStyle/>
-          <a:p>
-            <a:pPr>
-              <a:spcBef>
-                <a:spcPts val="0"/>
-              </a:spcBef>
-              <a:spcAft>
-                <a:spcPts val="1200"/>
-              </a:spcAft>
-            </a:pPr>
-            <a:r>
-              <a:rPr lang="en-US" sz="2400" dirty="0"/>
-              <a:t>Identifiers are just </a:t>
-            </a:r>
-            <a:r>
-              <a:rPr lang="en-US" sz="2400" b="1" dirty="0"/>
-              <a:t>names</a:t>
-            </a:r>
-            <a:r>
-              <a:rPr lang="en-US" sz="2400" dirty="0"/>
-              <a:t> – everything in code has a name</a:t>
-            </a:r>
-          </a:p>
-          <a:p>
-            <a:pPr lvl="1">
-              <a:spcBef>
-                <a:spcPts val="0"/>
-              </a:spcBef>
-              <a:spcAft>
-                <a:spcPts val="1200"/>
-              </a:spcAft>
-            </a:pPr>
-            <a:r>
-              <a:rPr lang="en-US" sz="2000" dirty="0"/>
-              <a:t>Names must be &lt; 64 chars in length</a:t>
-            </a:r>
-          </a:p>
-          <a:p>
-            <a:pPr lvl="1">
-              <a:spcBef>
-                <a:spcPts val="0"/>
-              </a:spcBef>
-              <a:spcAft>
-                <a:spcPts val="1200"/>
-              </a:spcAft>
-            </a:pPr>
-            <a:r>
-              <a:rPr lang="en-US" sz="2000" dirty="0"/>
-              <a:t>They can include upper- or lower-case letters &amp; numbers</a:t>
-            </a:r>
-          </a:p>
-          <a:p>
-            <a:pPr lvl="1">
-              <a:spcBef>
-                <a:spcPts val="0"/>
-              </a:spcBef>
-              <a:spcAft>
-                <a:spcPts val="1200"/>
-              </a:spcAft>
-            </a:pPr>
-            <a:r>
-              <a:rPr lang="en-US" sz="2000" dirty="0"/>
-              <a:t>Identifiers must start with a letter and </a:t>
-            </a:r>
-            <a:r>
-              <a:rPr lang="en-US" sz="2000" b="1" u="sng" dirty="0">
-                <a:solidFill>
-                  <a:srgbClr val="00B050"/>
-                </a:solidFill>
-              </a:rPr>
-              <a:t>cannot contain spaces!</a:t>
-            </a:r>
-          </a:p>
-          <a:p>
-            <a:pPr>
-              <a:spcBef>
-                <a:spcPts val="0"/>
-              </a:spcBef>
-              <a:spcAft>
-                <a:spcPts val="1200"/>
-              </a:spcAft>
-            </a:pPr>
-            <a:r>
-              <a:rPr lang="en-US" sz="2400" dirty="0"/>
-              <a:t>Three types of identifier “casing”</a:t>
-            </a:r>
-          </a:p>
-          <a:p>
-            <a:pPr marL="914400" lvl="1" indent="-457200">
-              <a:spcBef>
-                <a:spcPts val="0"/>
-              </a:spcBef>
-              <a:spcAft>
-                <a:spcPts val="1200"/>
-              </a:spcAft>
-              <a:buFont typeface="+mj-lt"/>
-              <a:buAutoNum type="arabicPeriod"/>
-            </a:pPr>
-            <a:r>
-              <a:rPr lang="en-US" sz="2000" dirty="0" err="1"/>
-              <a:t>CamelCaseEachWord</a:t>
-            </a:r>
-            <a:endParaRPr lang="en-US" sz="2000" dirty="0"/>
-          </a:p>
-          <a:p>
-            <a:pPr marL="914400" lvl="1" indent="-457200">
-              <a:spcBef>
-                <a:spcPts val="0"/>
-              </a:spcBef>
-              <a:spcAft>
-                <a:spcPts val="1200"/>
-              </a:spcAft>
-              <a:buFont typeface="+mj-lt"/>
-              <a:buAutoNum type="arabicPeriod"/>
-            </a:pPr>
-            <a:r>
-              <a:rPr lang="en-US" sz="2000" dirty="0" err="1"/>
-              <a:t>camelCaseEachWord</a:t>
-            </a:r>
-            <a:endParaRPr lang="en-US" sz="2000" dirty="0"/>
-          </a:p>
-          <a:p>
-            <a:pPr marL="914400" lvl="1" indent="-457200">
-              <a:spcBef>
-                <a:spcPts val="0"/>
-              </a:spcBef>
-              <a:spcAft>
-                <a:spcPts val="1200"/>
-              </a:spcAft>
-              <a:buFont typeface="+mj-lt"/>
-              <a:buAutoNum type="arabicPeriod"/>
-            </a:pPr>
-            <a:r>
-              <a:rPr lang="en-US" sz="2000" dirty="0"/>
-              <a:t>all </a:t>
-            </a:r>
-            <a:r>
-              <a:rPr lang="en-US" sz="2000" b="1" dirty="0" err="1"/>
-              <a:t>lower_case</a:t>
-            </a:r>
-            <a:r>
-              <a:rPr lang="en-US" sz="2000" b="1" dirty="0"/>
-              <a:t> </a:t>
-            </a:r>
-            <a:r>
-              <a:rPr lang="en-US" sz="2000" dirty="0"/>
-              <a:t>with underscores</a:t>
-            </a:r>
-          </a:p>
-          <a:p>
-            <a:pPr>
-              <a:spcBef>
-                <a:spcPts val="0"/>
-              </a:spcBef>
-              <a:spcAft>
-                <a:spcPts val="1200"/>
-              </a:spcAft>
-            </a:pPr>
-            <a:r>
-              <a:rPr lang="en-US" sz="2400" dirty="0"/>
-              <a:t>Identifiers in Python are</a:t>
-            </a:r>
-            <a:r>
-              <a:rPr lang="en-US" sz="2400" b="1" dirty="0">
-                <a:solidFill>
-                  <a:srgbClr val="FF0000"/>
-                </a:solidFill>
-              </a:rPr>
-              <a:t> case sensitive!!</a:t>
-            </a:r>
-          </a:p>
-          <a:p>
-            <a:pPr lvl="1">
-              <a:spcBef>
-                <a:spcPts val="0"/>
-              </a:spcBef>
-              <a:spcAft>
-                <a:spcPts val="1200"/>
-              </a:spcAft>
-            </a:pPr>
-            <a:r>
-              <a:rPr lang="en-US" sz="2000" b="1" i="1" dirty="0"/>
-              <a:t>x</a:t>
-            </a:r>
-            <a:r>
-              <a:rPr lang="en-US" sz="2000" i="1" dirty="0"/>
-              <a:t> is not the same as </a:t>
-            </a:r>
-            <a:r>
-              <a:rPr lang="en-US" sz="2000" b="1" i="1" dirty="0"/>
-              <a:t>X</a:t>
-            </a:r>
-          </a:p>
-          <a:p>
-            <a:pPr lvl="1">
-              <a:spcBef>
-                <a:spcPts val="0"/>
-              </a:spcBef>
-              <a:spcAft>
-                <a:spcPts val="1200"/>
-              </a:spcAft>
-            </a:pPr>
-            <a:r>
-              <a:rPr lang="en-US" sz="2000" dirty="0"/>
-              <a:t>Use ALLCAPS to define global constants (very rare)</a:t>
-            </a:r>
-          </a:p>
-        </p:txBody>
-      </p:sp>
-      <p:sp>
-        <p:nvSpPr>
-          <p:cNvPr id="4" name="Slide Number Placeholder 3"/>
-          <p:cNvSpPr>
-            <a:spLocks noGrp="1"/>
-          </p:cNvSpPr>
-          <p:nvPr>
-            <p:ph type="sldNum" sz="quarter" idx="12"/>
-          </p:nvPr>
-        </p:nvSpPr>
-        <p:spPr/>
-        <p:txBody>
-          <a:bodyPr/>
-          <a:lstStyle/>
-          <a:p>
-            <a:fld id="{650AD656-6FF9-465D-B7B0-1CD0DD39CD23}" type="slidenum">
-              <a:rPr lang="en-US" smtClean="0"/>
-              <a:t>5</a:t>
-            </a:fld>
-            <a:endParaRPr lang="en-US" dirty="0"/>
-          </a:p>
-        </p:txBody>
-      </p:sp>
-      <p:sp>
-        <p:nvSpPr>
-          <p:cNvPr id="5" name="TextBox 4">
-            <a:extLst>
-              <a:ext uri="{FF2B5EF4-FFF2-40B4-BE49-F238E27FC236}">
-                <a16:creationId xmlns:a16="http://schemas.microsoft.com/office/drawing/2014/main" id="{B0CC2226-5390-4814-912E-22A654328676}"/>
-              </a:ext>
-            </a:extLst>
-          </p:cNvPr>
-          <p:cNvSpPr txBox="1"/>
-          <p:nvPr/>
-        </p:nvSpPr>
-        <p:spPr>
-          <a:xfrm>
-            <a:off x="5095570" y="4062143"/>
-            <a:ext cx="3148780" cy="400110"/>
-          </a:xfrm>
-          <a:prstGeom prst="rect">
-            <a:avLst/>
-          </a:prstGeom>
-          <a:noFill/>
-        </p:spPr>
-        <p:txBody>
-          <a:bodyPr wrap="square" rtlCol="0">
-            <a:spAutoFit/>
-          </a:bodyPr>
-          <a:lstStyle/>
-          <a:p>
-            <a:r>
-              <a:rPr lang="en-US" sz="2000" dirty="0"/>
-              <a:t>(first letter </a:t>
-            </a:r>
-            <a:r>
-              <a:rPr lang="en-US" sz="2000" u="sng" dirty="0"/>
-              <a:t>is not</a:t>
-            </a:r>
-            <a:r>
-              <a:rPr lang="en-US" sz="2000" dirty="0"/>
-              <a:t> capitalized)</a:t>
-            </a:r>
-          </a:p>
-        </p:txBody>
-      </p:sp>
-      <p:sp>
-        <p:nvSpPr>
-          <p:cNvPr id="6" name="TextBox 5">
-            <a:extLst>
-              <a:ext uri="{FF2B5EF4-FFF2-40B4-BE49-F238E27FC236}">
-                <a16:creationId xmlns:a16="http://schemas.microsoft.com/office/drawing/2014/main" id="{EAC213DB-2C06-47E5-9329-AD9E72361A86}"/>
-              </a:ext>
-            </a:extLst>
-          </p:cNvPr>
-          <p:cNvSpPr txBox="1"/>
-          <p:nvPr/>
-        </p:nvSpPr>
-        <p:spPr>
-          <a:xfrm>
-            <a:off x="5095570" y="4505461"/>
-            <a:ext cx="3148780" cy="400110"/>
-          </a:xfrm>
-          <a:prstGeom prst="rect">
-            <a:avLst/>
-          </a:prstGeom>
-          <a:noFill/>
-        </p:spPr>
-        <p:txBody>
-          <a:bodyPr wrap="square" rtlCol="0">
-            <a:spAutoFit/>
-          </a:bodyPr>
-          <a:lstStyle/>
-          <a:p>
-            <a:r>
-              <a:rPr lang="en-US" sz="2000" b="1" dirty="0">
-                <a:solidFill>
-                  <a:srgbClr val="0070C0"/>
-                </a:solidFill>
-              </a:rPr>
-              <a:t>(Snake case in Python!)</a:t>
-            </a:r>
-            <a:endParaRPr lang="en-US" sz="2000" dirty="0"/>
-          </a:p>
-        </p:txBody>
-      </p:sp>
-      <p:sp>
-        <p:nvSpPr>
-          <p:cNvPr id="7" name="TextBox 6">
-            <a:extLst>
-              <a:ext uri="{FF2B5EF4-FFF2-40B4-BE49-F238E27FC236}">
-                <a16:creationId xmlns:a16="http://schemas.microsoft.com/office/drawing/2014/main" id="{0B66E2F5-A11B-444F-A0C7-3CA382B431D3}"/>
-              </a:ext>
-            </a:extLst>
-          </p:cNvPr>
-          <p:cNvSpPr txBox="1"/>
-          <p:nvPr/>
-        </p:nvSpPr>
-        <p:spPr>
-          <a:xfrm>
-            <a:off x="5095570" y="3633572"/>
-            <a:ext cx="3148780" cy="400110"/>
-          </a:xfrm>
-          <a:prstGeom prst="rect">
-            <a:avLst/>
-          </a:prstGeom>
-          <a:noFill/>
-        </p:spPr>
-        <p:txBody>
-          <a:bodyPr wrap="square" rtlCol="0">
-            <a:spAutoFit/>
-          </a:bodyPr>
-          <a:lstStyle/>
-          <a:p>
-            <a:r>
-              <a:rPr lang="en-US" sz="2000" dirty="0"/>
-              <a:t>(first letter </a:t>
-            </a:r>
-            <a:r>
-              <a:rPr lang="en-US" sz="2000" u="sng" dirty="0"/>
-              <a:t>is</a:t>
-            </a:r>
-            <a:r>
-              <a:rPr lang="en-US" sz="2000" dirty="0"/>
-              <a:t> Capitalized)</a:t>
-            </a:r>
-          </a:p>
-        </p:txBody>
-      </p:sp>
-      <p:sp>
-        <p:nvSpPr>
-          <p:cNvPr id="8" name="TextBox 7">
-            <a:extLst>
-              <a:ext uri="{FF2B5EF4-FFF2-40B4-BE49-F238E27FC236}">
-                <a16:creationId xmlns:a16="http://schemas.microsoft.com/office/drawing/2014/main" id="{E68BF6E3-7E00-4FC0-937A-6A099BD6301F}"/>
-              </a:ext>
-            </a:extLst>
-          </p:cNvPr>
-          <p:cNvSpPr txBox="1"/>
-          <p:nvPr/>
-        </p:nvSpPr>
-        <p:spPr>
-          <a:xfrm>
-            <a:off x="7742902" y="4563420"/>
-            <a:ext cx="289437" cy="369332"/>
-          </a:xfrm>
-          <a:prstGeom prst="rect">
-            <a:avLst/>
-          </a:prstGeom>
-          <a:noFill/>
-        </p:spPr>
-        <p:txBody>
-          <a:bodyPr wrap="square" rtlCol="0">
-            <a:spAutoFit/>
-          </a:bodyPr>
-          <a:lstStyle/>
-          <a:p>
-            <a:pPr algn="ctr"/>
-            <a:r>
-              <a:rPr lang="en-US" b="1" dirty="0">
-                <a:ln>
-                  <a:solidFill>
-                    <a:srgbClr val="0070C0"/>
-                  </a:solidFill>
-                </a:ln>
-                <a:solidFill>
-                  <a:srgbClr val="0070C0"/>
-                </a:solidFill>
-                <a:sym typeface="Wingdings" panose="05000000000000000000" pitchFamily="2" charset="2"/>
-              </a:rPr>
-              <a:t></a:t>
-            </a:r>
-            <a:endParaRPr lang="en-US" b="1" dirty="0">
-              <a:ln>
-                <a:solidFill>
-                  <a:srgbClr val="0070C0"/>
-                </a:solidFill>
-              </a:ln>
-              <a:solidFill>
-                <a:srgbClr val="0070C0"/>
-              </a:solidFill>
-            </a:endParaRPr>
-          </a:p>
-        </p:txBody>
-      </p:sp>
-    </p:spTree>
-    <p:extLst>
-      <p:ext uri="{BB962C8B-B14F-4D97-AF65-F5344CB8AC3E}">
-        <p14:creationId xmlns:p14="http://schemas.microsoft.com/office/powerpoint/2010/main" val="3998899046"/>
-      </p:ext>
-    </p:extLst>
-  </p:cSld>
-  <p:clrMapOvr>
-    <a:masterClrMapping/>
-  </p:clrMapOvr>
-  <p:timing>
-    <p:tnLst>
-      <p:par>
-        <p:cTn id="1" dur="indefinite" restart="never" nodeType="tmRoot">
-          <p:childTnLst>
-            <p:seq concurrent="1" nextAc="seek">
-              <p:cTn id="2" dur="indefinite" nodeType="mainSeq">
-                <p:childTnLst>
-                  <p:par>
-                    <p:cTn id="3" fill="hold">
-                      <p:stCondLst>
-                        <p:cond delay="indefinite"/>
-                      </p:stCondLst>
-                      <p:childTnLst>
-                        <p:par>
-                          <p:cTn id="4" fill="hold">
-                            <p:stCondLst>
-                              <p:cond delay="0"/>
-                            </p:stCondLst>
-                            <p:childTnLst>
-                              <p:par>
-                                <p:cTn id="5" presetID="1" presetClass="entr" presetSubtype="0" fill="hold" nodeType="clickEffect">
-                                  <p:stCondLst>
-                                    <p:cond delay="0"/>
-                                  </p:stCondLst>
-                                  <p:childTnLst>
-                                    <p:set>
-                                      <p:cBhvr>
-                                        <p:cTn id="6" dur="1" fill="hold">
-                                          <p:stCondLst>
-                                            <p:cond delay="0"/>
-                                          </p:stCondLst>
-                                        </p:cTn>
-                                        <p:tgtEl>
-                                          <p:spTgt spid="3">
-                                            <p:txEl>
-                                              <p:pRg st="4" end="4"/>
-                                            </p:txEl>
-                                          </p:spTgt>
-                                        </p:tgtEl>
-                                        <p:attrNameLst>
-                                          <p:attrName>style.visibility</p:attrName>
-                                        </p:attrNameLst>
-                                      </p:cBhvr>
-                                      <p:to>
-                                        <p:strVal val="visible"/>
-                                      </p:to>
-                                    </p:set>
-                                  </p:childTnLst>
-                                </p:cTn>
-                              </p:par>
-                              <p:par>
-                                <p:cTn id="7" presetID="1" presetClass="entr" presetSubtype="0" fill="hold" nodeType="withEffect">
-                                  <p:stCondLst>
-                                    <p:cond delay="0"/>
-                                  </p:stCondLst>
-                                  <p:childTnLst>
-                                    <p:set>
-                                      <p:cBhvr>
-                                        <p:cTn id="8" dur="1" fill="hold">
-                                          <p:stCondLst>
-                                            <p:cond delay="0"/>
-                                          </p:stCondLst>
-                                        </p:cTn>
-                                        <p:tgtEl>
-                                          <p:spTgt spid="3">
-                                            <p:txEl>
-                                              <p:pRg st="5" end="5"/>
-                                            </p:txEl>
-                                          </p:spTgt>
-                                        </p:tgtEl>
-                                        <p:attrNameLst>
-                                          <p:attrName>style.visibility</p:attrName>
-                                        </p:attrNameLst>
-                                      </p:cBhvr>
-                                      <p:to>
-                                        <p:strVal val="visible"/>
-                                      </p:to>
-                                    </p:set>
-                                  </p:childTnLst>
-                                </p:cTn>
-                              </p:par>
-                              <p:par>
-                                <p:cTn id="9" presetID="1" presetClass="entr" presetSubtype="0" fill="hold" nodeType="withEffect">
-                                  <p:stCondLst>
-                                    <p:cond delay="0"/>
-                                  </p:stCondLst>
-                                  <p:childTnLst>
-                                    <p:set>
-                                      <p:cBhvr>
-                                        <p:cTn id="10" dur="1" fill="hold">
-                                          <p:stCondLst>
-                                            <p:cond delay="0"/>
-                                          </p:stCondLst>
-                                        </p:cTn>
-                                        <p:tgtEl>
-                                          <p:spTgt spid="3">
-                                            <p:txEl>
-                                              <p:pRg st="6" end="6"/>
-                                            </p:txEl>
-                                          </p:spTgt>
-                                        </p:tgtEl>
-                                        <p:attrNameLst>
-                                          <p:attrName>style.visibility</p:attrName>
-                                        </p:attrNameLst>
-                                      </p:cBhvr>
-                                      <p:to>
-                                        <p:strVal val="visible"/>
-                                      </p:to>
-                                    </p:set>
-                                  </p:childTnLst>
-                                </p:cTn>
-                              </p:par>
-                              <p:par>
-                                <p:cTn id="11" presetID="1" presetClass="entr" presetSubtype="0" fill="hold" nodeType="withEffect">
-                                  <p:stCondLst>
-                                    <p:cond delay="0"/>
-                                  </p:stCondLst>
-                                  <p:childTnLst>
-                                    <p:set>
-                                      <p:cBhvr>
-                                        <p:cTn id="12" dur="1" fill="hold">
-                                          <p:stCondLst>
-                                            <p:cond delay="0"/>
-                                          </p:stCondLst>
-                                        </p:cTn>
-                                        <p:tgtEl>
-                                          <p:spTgt spid="3">
-                                            <p:txEl>
-                                              <p:pRg st="7" end="7"/>
-                                            </p:txEl>
-                                          </p:spTgt>
-                                        </p:tgtEl>
-                                        <p:attrNameLst>
-                                          <p:attrName>style.visibility</p:attrName>
-                                        </p:attrNameLst>
-                                      </p:cBhvr>
-                                      <p:to>
-                                        <p:strVal val="visible"/>
-                                      </p:to>
-                                    </p:set>
-                                  </p:childTnLst>
-                                </p:cTn>
-                              </p:par>
-                            </p:childTnLst>
-                          </p:cTn>
-                        </p:par>
-                        <p:par>
-                          <p:cTn id="13" fill="hold">
-                            <p:stCondLst>
-                              <p:cond delay="0"/>
-                            </p:stCondLst>
-                            <p:childTnLst>
-                              <p:par>
-                                <p:cTn id="14" presetID="2" presetClass="entr" presetSubtype="2" fill="hold" grpId="0" nodeType="afterEffect">
-                                  <p:stCondLst>
-                                    <p:cond delay="0"/>
-                                  </p:stCondLst>
-                                  <p:childTnLst>
-                                    <p:set>
-                                      <p:cBhvr>
-                                        <p:cTn id="15" dur="1" fill="hold">
-                                          <p:stCondLst>
-                                            <p:cond delay="0"/>
-                                          </p:stCondLst>
-                                        </p:cTn>
-                                        <p:tgtEl>
-                                          <p:spTgt spid="7"/>
-                                        </p:tgtEl>
-                                        <p:attrNameLst>
-                                          <p:attrName>style.visibility</p:attrName>
-                                        </p:attrNameLst>
-                                      </p:cBhvr>
-                                      <p:to>
-                                        <p:strVal val="visible"/>
-                                      </p:to>
-                                    </p:set>
-                                    <p:anim calcmode="lin" valueType="num">
-                                      <p:cBhvr additive="base">
-                                        <p:cTn id="16" dur="500" fill="hold"/>
-                                        <p:tgtEl>
-                                          <p:spTgt spid="7"/>
-                                        </p:tgtEl>
-                                        <p:attrNameLst>
-                                          <p:attrName>ppt_x</p:attrName>
-                                        </p:attrNameLst>
-                                      </p:cBhvr>
-                                      <p:tavLst>
-                                        <p:tav tm="0">
-                                          <p:val>
-                                            <p:strVal val="1+#ppt_w/2"/>
-                                          </p:val>
-                                        </p:tav>
-                                        <p:tav tm="100000">
-                                          <p:val>
-                                            <p:strVal val="#ppt_x"/>
-                                          </p:val>
-                                        </p:tav>
-                                      </p:tavLst>
-                                    </p:anim>
-                                    <p:anim calcmode="lin" valueType="num">
-                                      <p:cBhvr additive="base">
-                                        <p:cTn id="17" dur="500" fill="hold"/>
-                                        <p:tgtEl>
-                                          <p:spTgt spid="7"/>
-                                        </p:tgtEl>
-                                        <p:attrNameLst>
-                                          <p:attrName>ppt_y</p:attrName>
-                                        </p:attrNameLst>
-                                      </p:cBhvr>
-                                      <p:tavLst>
-                                        <p:tav tm="0">
-                                          <p:val>
-                                            <p:strVal val="#ppt_y"/>
-                                          </p:val>
-                                        </p:tav>
-                                        <p:tav tm="100000">
-                                          <p:val>
-                                            <p:strVal val="#ppt_y"/>
-                                          </p:val>
-                                        </p:tav>
-                                      </p:tavLst>
-                                    </p:anim>
-                                  </p:childTnLst>
-                                </p:cTn>
-                              </p:par>
-                              <p:par>
-                                <p:cTn id="18" presetID="2" presetClass="entr" presetSubtype="2" fill="hold" grpId="0" nodeType="withEffect">
-                                  <p:stCondLst>
-                                    <p:cond delay="0"/>
-                                  </p:stCondLst>
-                                  <p:childTnLst>
-                                    <p:set>
-                                      <p:cBhvr>
-                                        <p:cTn id="19" dur="1" fill="hold">
-                                          <p:stCondLst>
-                                            <p:cond delay="0"/>
-                                          </p:stCondLst>
-                                        </p:cTn>
-                                        <p:tgtEl>
-                                          <p:spTgt spid="5"/>
-                                        </p:tgtEl>
-                                        <p:attrNameLst>
-                                          <p:attrName>style.visibility</p:attrName>
-                                        </p:attrNameLst>
-                                      </p:cBhvr>
-                                      <p:to>
-                                        <p:strVal val="visible"/>
-                                      </p:to>
-                                    </p:set>
-                                    <p:anim calcmode="lin" valueType="num">
-                                      <p:cBhvr additive="base">
-                                        <p:cTn id="20" dur="500" fill="hold"/>
-                                        <p:tgtEl>
-                                          <p:spTgt spid="5"/>
-                                        </p:tgtEl>
-                                        <p:attrNameLst>
-                                          <p:attrName>ppt_x</p:attrName>
-                                        </p:attrNameLst>
-                                      </p:cBhvr>
-                                      <p:tavLst>
-                                        <p:tav tm="0">
-                                          <p:val>
-                                            <p:strVal val="1+#ppt_w/2"/>
-                                          </p:val>
-                                        </p:tav>
-                                        <p:tav tm="100000">
-                                          <p:val>
-                                            <p:strVal val="#ppt_x"/>
-                                          </p:val>
-                                        </p:tav>
-                                      </p:tavLst>
-                                    </p:anim>
-                                    <p:anim calcmode="lin" valueType="num">
-                                      <p:cBhvr additive="base">
-                                        <p:cTn id="21" dur="500" fill="hold"/>
-                                        <p:tgtEl>
-                                          <p:spTgt spid="5"/>
-                                        </p:tgtEl>
-                                        <p:attrNameLst>
-                                          <p:attrName>ppt_y</p:attrName>
-                                        </p:attrNameLst>
-                                      </p:cBhvr>
-                                      <p:tavLst>
-                                        <p:tav tm="0">
-                                          <p:val>
-                                            <p:strVal val="#ppt_y"/>
-                                          </p:val>
-                                        </p:tav>
-                                        <p:tav tm="100000">
-                                          <p:val>
-                                            <p:strVal val="#ppt_y"/>
-                                          </p:val>
-                                        </p:tav>
-                                      </p:tavLst>
-                                    </p:anim>
-                                  </p:childTnLst>
-                                </p:cTn>
-                              </p:par>
-                              <p:par>
-                                <p:cTn id="22" presetID="2" presetClass="entr" presetSubtype="2" fill="hold" grpId="0" nodeType="withEffect">
-                                  <p:stCondLst>
-                                    <p:cond delay="0"/>
-                                  </p:stCondLst>
-                                  <p:childTnLst>
-                                    <p:set>
-                                      <p:cBhvr>
-                                        <p:cTn id="23" dur="1" fill="hold">
-                                          <p:stCondLst>
-                                            <p:cond delay="0"/>
-                                          </p:stCondLst>
-                                        </p:cTn>
-                                        <p:tgtEl>
-                                          <p:spTgt spid="6"/>
-                                        </p:tgtEl>
-                                        <p:attrNameLst>
-                                          <p:attrName>style.visibility</p:attrName>
-                                        </p:attrNameLst>
-                                      </p:cBhvr>
-                                      <p:to>
-                                        <p:strVal val="visible"/>
-                                      </p:to>
-                                    </p:set>
-                                    <p:anim calcmode="lin" valueType="num">
-                                      <p:cBhvr additive="base">
-                                        <p:cTn id="24" dur="500" fill="hold"/>
-                                        <p:tgtEl>
-                                          <p:spTgt spid="6"/>
-                                        </p:tgtEl>
-                                        <p:attrNameLst>
-                                          <p:attrName>ppt_x</p:attrName>
-                                        </p:attrNameLst>
-                                      </p:cBhvr>
-                                      <p:tavLst>
-                                        <p:tav tm="0">
-                                          <p:val>
-                                            <p:strVal val="1+#ppt_w/2"/>
-                                          </p:val>
-                                        </p:tav>
-                                        <p:tav tm="100000">
-                                          <p:val>
-                                            <p:strVal val="#ppt_x"/>
-                                          </p:val>
-                                        </p:tav>
-                                      </p:tavLst>
-                                    </p:anim>
-                                    <p:anim calcmode="lin" valueType="num">
-                                      <p:cBhvr additive="base">
-                                        <p:cTn id="25" dur="500" fill="hold"/>
-                                        <p:tgtEl>
-                                          <p:spTgt spid="6"/>
-                                        </p:tgtEl>
-                                        <p:attrNameLst>
-                                          <p:attrName>ppt_y</p:attrName>
-                                        </p:attrNameLst>
-                                      </p:cBhvr>
-                                      <p:tavLst>
-                                        <p:tav tm="0">
-                                          <p:val>
-                                            <p:strVal val="#ppt_y"/>
-                                          </p:val>
-                                        </p:tav>
-                                        <p:tav tm="100000">
-                                          <p:val>
-                                            <p:strVal val="#ppt_y"/>
-                                          </p:val>
-                                        </p:tav>
-                                      </p:tavLst>
-                                    </p:anim>
-                                  </p:childTnLst>
-                                </p:cTn>
-                              </p:par>
-                            </p:childTnLst>
-                          </p:cTn>
-                        </p:par>
-                        <p:par>
-                          <p:cTn id="26" fill="hold">
-                            <p:stCondLst>
-                              <p:cond delay="500"/>
-                            </p:stCondLst>
-                            <p:childTnLst>
-                              <p:par>
-                                <p:cTn id="27" presetID="2" presetClass="entr" presetSubtype="1" fill="hold" grpId="0" nodeType="afterEffect">
-                                  <p:stCondLst>
-                                    <p:cond delay="0"/>
-                                  </p:stCondLst>
-                                  <p:childTnLst>
-                                    <p:set>
-                                      <p:cBhvr>
-                                        <p:cTn id="28" dur="1" fill="hold">
-                                          <p:stCondLst>
-                                            <p:cond delay="0"/>
-                                          </p:stCondLst>
-                                        </p:cTn>
-                                        <p:tgtEl>
-                                          <p:spTgt spid="8"/>
-                                        </p:tgtEl>
-                                        <p:attrNameLst>
-                                          <p:attrName>style.visibility</p:attrName>
-                                        </p:attrNameLst>
-                                      </p:cBhvr>
-                                      <p:to>
-                                        <p:strVal val="visible"/>
-                                      </p:to>
-                                    </p:set>
-                                    <p:anim calcmode="lin" valueType="num">
-                                      <p:cBhvr additive="base">
-                                        <p:cTn id="29" dur="500" fill="hold"/>
-                                        <p:tgtEl>
-                                          <p:spTgt spid="8"/>
-                                        </p:tgtEl>
-                                        <p:attrNameLst>
-                                          <p:attrName>ppt_x</p:attrName>
-                                        </p:attrNameLst>
-                                      </p:cBhvr>
-                                      <p:tavLst>
-                                        <p:tav tm="0">
-                                          <p:val>
-                                            <p:strVal val="#ppt_x"/>
-                                          </p:val>
-                                        </p:tav>
-                                        <p:tav tm="100000">
-                                          <p:val>
-                                            <p:strVal val="#ppt_x"/>
-                                          </p:val>
-                                        </p:tav>
-                                      </p:tavLst>
-                                    </p:anim>
-                                    <p:anim calcmode="lin" valueType="num">
-                                      <p:cBhvr additive="base">
-                                        <p:cTn id="30" dur="500" fill="hold"/>
-                                        <p:tgtEl>
-                                          <p:spTgt spid="8"/>
-                                        </p:tgtEl>
-                                        <p:attrNameLst>
-                                          <p:attrName>ppt_y</p:attrName>
-                                        </p:attrNameLst>
-                                      </p:cBhvr>
-                                      <p:tavLst>
-                                        <p:tav tm="0">
-                                          <p:val>
-                                            <p:strVal val="0-#ppt_h/2"/>
-                                          </p:val>
-                                        </p:tav>
-                                        <p:tav tm="100000">
-                                          <p:val>
-                                            <p:strVal val="#ppt_y"/>
-                                          </p:val>
-                                        </p:tav>
-                                      </p:tavLst>
-                                    </p:anim>
-                                  </p:childTnLst>
-                                </p:cTn>
-                              </p:par>
-                            </p:childTnLst>
-                          </p:cTn>
-                        </p:par>
-                      </p:childTnLst>
-                    </p:cTn>
-                  </p:par>
-                  <p:par>
-                    <p:cTn id="31" fill="hold">
-                      <p:stCondLst>
-                        <p:cond delay="indefinite"/>
-                      </p:stCondLst>
-                      <p:childTnLst>
-                        <p:par>
-                          <p:cTn id="32" fill="hold">
-                            <p:stCondLst>
-                              <p:cond delay="0"/>
-                            </p:stCondLst>
-                            <p:childTnLst>
-                              <p:par>
-                                <p:cTn id="33" presetID="1" presetClass="entr" presetSubtype="0" fill="hold" nodeType="clickEffect">
-                                  <p:stCondLst>
-                                    <p:cond delay="0"/>
-                                  </p:stCondLst>
-                                  <p:childTnLst>
-                                    <p:set>
-                                      <p:cBhvr>
-                                        <p:cTn id="34" dur="1" fill="hold">
-                                          <p:stCondLst>
-                                            <p:cond delay="0"/>
-                                          </p:stCondLst>
-                                        </p:cTn>
-                                        <p:tgtEl>
-                                          <p:spTgt spid="3">
-                                            <p:txEl>
-                                              <p:pRg st="8" end="8"/>
-                                            </p:txEl>
-                                          </p:spTgt>
-                                        </p:tgtEl>
-                                        <p:attrNameLst>
-                                          <p:attrName>style.visibility</p:attrName>
-                                        </p:attrNameLst>
-                                      </p:cBhvr>
-                                      <p:to>
-                                        <p:strVal val="visible"/>
-                                      </p:to>
-                                    </p:set>
-                                  </p:childTnLst>
-                                </p:cTn>
-                              </p:par>
-                              <p:par>
-                                <p:cTn id="35" presetID="1" presetClass="entr" presetSubtype="0" fill="hold" nodeType="withEffect">
-                                  <p:stCondLst>
-                                    <p:cond delay="0"/>
-                                  </p:stCondLst>
-                                  <p:childTnLst>
-                                    <p:set>
-                                      <p:cBhvr>
-                                        <p:cTn id="36" dur="1" fill="hold">
-                                          <p:stCondLst>
-                                            <p:cond delay="0"/>
-                                          </p:stCondLst>
-                                        </p:cTn>
-                                        <p:tgtEl>
-                                          <p:spTgt spid="3">
-                                            <p:txEl>
-                                              <p:pRg st="9" end="9"/>
-                                            </p:txEl>
-                                          </p:spTgt>
-                                        </p:tgtEl>
-                                        <p:attrNameLst>
-                                          <p:attrName>style.visibility</p:attrName>
-                                        </p:attrNameLst>
-                                      </p:cBhvr>
-                                      <p:to>
-                                        <p:strVal val="visible"/>
-                                      </p:to>
-                                    </p:set>
-                                  </p:childTnLst>
-                                </p:cTn>
-                              </p:par>
-                              <p:par>
-                                <p:cTn id="37" presetID="1" presetClass="entr" presetSubtype="0" fill="hold" nodeType="withEffect">
-                                  <p:stCondLst>
-                                    <p:cond delay="0"/>
-                                  </p:stCondLst>
-                                  <p:childTnLst>
-                                    <p:set>
-                                      <p:cBhvr>
-                                        <p:cTn id="38" dur="1" fill="hold">
-                                          <p:stCondLst>
-                                            <p:cond delay="0"/>
-                                          </p:stCondLst>
-                                        </p:cTn>
-                                        <p:tgtEl>
-                                          <p:spTgt spid="3">
-                                            <p:txEl>
-                                              <p:pRg st="10" end="10"/>
-                                            </p:txEl>
-                                          </p:spTgt>
-                                        </p:tgtEl>
-                                        <p:attrNameLst>
-                                          <p:attrName>style.visibility</p:attrName>
-                                        </p:attrNameLst>
-                                      </p:cBhvr>
-                                      <p:to>
-                                        <p:strVal val="visible"/>
-                                      </p:to>
-                                    </p:set>
-                                  </p:childTnLst>
-                                </p:cTn>
-                              </p:par>
-                            </p:childTnLst>
-                          </p:cTn>
-                        </p:par>
-                      </p:childTnLst>
-                    </p:cTn>
-                  </p:par>
-                </p:childTnLst>
-              </p:cTn>
-              <p:prevCondLst>
-                <p:cond evt="onPrev" delay="0">
-                  <p:tgtEl>
-                    <p:sldTgt/>
-                  </p:tgtEl>
-                </p:cond>
-              </p:prevCondLst>
-              <p:nextCondLst>
-                <p:cond evt="onNext" delay="0">
-                  <p:tgtEl>
-                    <p:sldTgt/>
-                  </p:tgtEl>
-                </p:cond>
-              </p:nextCondLst>
-            </p:seq>
-          </p:childTnLst>
-        </p:cTn>
-      </p:par>
-    </p:tnLst>
-    <p:bldLst>
-      <p:bldP spid="5" grpId="0"/>
-      <p:bldP spid="6" grpId="0"/>
-      <p:bldP spid="7" grpId="0"/>
-      <p:bldP spid="8" grpId="0"/>
-    </p:bldLst>
-  </p:timing>
-</p:sld>
-</file>
-
-<file path=ppt/slides/slide50.xml><?xml version="1.0" encoding="utf-8"?>
+<file path=ppt/slides/slide52.xml><?xml version="1.0" encoding="utf-8"?>
 <p:sld xmlns:a="http://schemas.openxmlformats.org/drawingml/2006/main" xmlns:r="http://schemas.openxmlformats.org/officeDocument/2006/relationships" xmlns:p="http://schemas.openxmlformats.org/presentationml/2006/main">
   <p:cSld>
     <p:spTree>
@@ -40813,7 +42023,7 @@
           <a:p>
             <a:fld id="{650AD656-6FF9-465D-B7B0-1CD0DD39CD23}" type="slidenum">
               <a:rPr lang="en-US" smtClean="0"/>
-              <a:t>50</a:t>
+              <a:t>52</a:t>
             </a:fld>
             <a:endParaRPr lang="en-US" dirty="0"/>
           </a:p>
@@ -41555,7 +42765,7 @@
 </p:sld>
 </file>
 
-<file path=ppt/slides/slide51.xml><?xml version="1.0" encoding="utf-8"?>
+<file path=ppt/slides/slide53.xml><?xml version="1.0" encoding="utf-8"?>
 <p:sld xmlns:a="http://schemas.openxmlformats.org/drawingml/2006/main" xmlns:r="http://schemas.openxmlformats.org/officeDocument/2006/relationships" xmlns:p="http://schemas.openxmlformats.org/presentationml/2006/main">
   <p:cSld>
     <p:spTree>
@@ -41670,7 +42880,7 @@
           <a:p>
             <a:fld id="{650AD656-6FF9-465D-B7B0-1CD0DD39CD23}" type="slidenum">
               <a:rPr lang="en-US" smtClean="0"/>
-              <a:t>51</a:t>
+              <a:t>53</a:t>
             </a:fld>
             <a:endParaRPr lang="en-US" dirty="0"/>
           </a:p>
@@ -41723,1208 +42933,6 @@
                                           <p:spTgt spid="3">
                                             <p:txEl>
                                               <p:pRg st="1" end="1"/>
-                                            </p:txEl>
-                                          </p:spTgt>
-                                        </p:tgtEl>
-                                        <p:attrNameLst>
-                                          <p:attrName>style.visibility</p:attrName>
-                                        </p:attrNameLst>
-                                      </p:cBhvr>
-                                      <p:to>
-                                        <p:strVal val="visible"/>
-                                      </p:to>
-                                    </p:set>
-                                  </p:childTnLst>
-                                </p:cTn>
-                              </p:par>
-                            </p:childTnLst>
-                          </p:cTn>
-                        </p:par>
-                      </p:childTnLst>
-                    </p:cTn>
-                  </p:par>
-                </p:childTnLst>
-              </p:cTn>
-              <p:prevCondLst>
-                <p:cond evt="onPrev" delay="0">
-                  <p:tgtEl>
-                    <p:sldTgt/>
-                  </p:tgtEl>
-                </p:cond>
-              </p:prevCondLst>
-              <p:nextCondLst>
-                <p:cond evt="onNext" delay="0">
-                  <p:tgtEl>
-                    <p:sldTgt/>
-                  </p:tgtEl>
-                </p:cond>
-              </p:nextCondLst>
-            </p:seq>
-          </p:childTnLst>
-        </p:cTn>
-      </p:par>
-    </p:tnLst>
-  </p:timing>
-</p:sld>
-</file>
-
-<file path=ppt/slides/slide52.xml><?xml version="1.0" encoding="utf-8"?>
-<p:sld xmlns:a="http://schemas.openxmlformats.org/drawingml/2006/main" xmlns:r="http://schemas.openxmlformats.org/officeDocument/2006/relationships" xmlns:p="http://schemas.openxmlformats.org/presentationml/2006/main">
-  <p:cSld>
-    <p:spTree>
-      <p:nvGrpSpPr>
-        <p:cNvPr id="1" name=""/>
-        <p:cNvGrpSpPr/>
-        <p:nvPr/>
-      </p:nvGrpSpPr>
-      <p:grpSpPr>
-        <a:xfrm>
-          <a:off x="0" y="0"/>
-          <a:ext cx="0" cy="0"/>
-          <a:chOff x="0" y="0"/>
-          <a:chExt cx="0" cy="0"/>
-        </a:xfrm>
-      </p:grpSpPr>
-      <p:sp>
-        <p:nvSpPr>
-          <p:cNvPr id="2" name="Title 1"/>
-          <p:cNvSpPr>
-            <a:spLocks noGrp="1"/>
-          </p:cNvSpPr>
-          <p:nvPr>
-            <p:ph type="title"/>
-          </p:nvPr>
-        </p:nvSpPr>
-        <p:spPr>
-          <a:xfrm>
-            <a:off x="628650" y="365126"/>
-            <a:ext cx="7886700" cy="1103455"/>
-          </a:xfrm>
-        </p:spPr>
-        <p:txBody>
-          <a:bodyPr>
-            <a:noAutofit/>
-          </a:bodyPr>
-          <a:lstStyle/>
-          <a:p>
-            <a:pPr algn="ctr"/>
-            <a:r>
-              <a:rPr lang="en-US" sz="3200" dirty="0">
-                <a:latin typeface="+mn-lt"/>
-              </a:rPr>
-              <a:t>Session </a:t>
-            </a:r>
-            <a:r>
-              <a:rPr lang="en-US" sz="3200" b="1" dirty="0">
-                <a:latin typeface="+mn-lt"/>
-              </a:rPr>
-              <a:t>03</a:t>
-            </a:r>
-            <a:r>
-              <a:rPr lang="en-US" sz="3200" dirty="0">
-                <a:latin typeface="+mn-lt"/>
-              </a:rPr>
-              <a:t> – Now You Know…</a:t>
-            </a:r>
-          </a:p>
-        </p:txBody>
-      </p:sp>
-      <p:sp>
-        <p:nvSpPr>
-          <p:cNvPr id="3" name="Content Placeholder 2"/>
-          <p:cNvSpPr>
-            <a:spLocks noGrp="1"/>
-          </p:cNvSpPr>
-          <p:nvPr>
-            <p:ph idx="1"/>
-          </p:nvPr>
-        </p:nvSpPr>
-        <p:spPr/>
-        <p:txBody>
-          <a:bodyPr>
-            <a:noAutofit/>
-          </a:bodyPr>
-          <a:lstStyle/>
-          <a:p>
-            <a:pPr>
-              <a:spcBef>
-                <a:spcPts val="0"/>
-              </a:spcBef>
-              <a:spcAft>
-                <a:spcPts val="1200"/>
-              </a:spcAft>
-            </a:pPr>
-            <a:r>
-              <a:rPr lang="en-US" sz="2400" dirty="0"/>
-              <a:t>How to define variables in Python (</a:t>
-            </a:r>
-            <a:r>
-              <a:rPr lang="en-US" sz="2400" b="1" dirty="0" err="1"/>
-              <a:t>snake_case</a:t>
-            </a:r>
-            <a:r>
-              <a:rPr lang="en-US" sz="2400" dirty="0"/>
-              <a:t>)</a:t>
-            </a:r>
-            <a:endParaRPr lang="en-US" sz="2400" b="1" dirty="0">
-              <a:solidFill>
-                <a:srgbClr val="7030A0"/>
-              </a:solidFill>
-            </a:endParaRPr>
-          </a:p>
-          <a:p>
-            <a:pPr>
-              <a:spcBef>
-                <a:spcPts val="0"/>
-              </a:spcBef>
-              <a:spcAft>
-                <a:spcPts val="1200"/>
-              </a:spcAft>
-            </a:pPr>
-            <a:r>
-              <a:rPr lang="en-US" sz="2400" dirty="0"/>
-              <a:t>How to use </a:t>
-            </a:r>
-            <a:r>
-              <a:rPr lang="en-US" sz="2400" b="1" dirty="0"/>
-              <a:t>print</a:t>
-            </a:r>
-            <a:r>
-              <a:rPr lang="en-US" sz="2400" dirty="0"/>
-              <a:t>()</a:t>
-            </a:r>
-            <a:r>
-              <a:rPr lang="en-US" sz="2400" b="1" dirty="0"/>
-              <a:t> </a:t>
-            </a:r>
-            <a:r>
-              <a:rPr lang="en-US" sz="2400" dirty="0"/>
-              <a:t>to show variable values on screen</a:t>
-            </a:r>
-          </a:p>
-          <a:p>
-            <a:pPr>
-              <a:spcBef>
-                <a:spcPts val="0"/>
-              </a:spcBef>
-              <a:spcAft>
-                <a:spcPts val="1200"/>
-              </a:spcAft>
-            </a:pPr>
-            <a:r>
-              <a:rPr lang="en-US" sz="2400" dirty="0"/>
-              <a:t>How to use </a:t>
-            </a:r>
-            <a:r>
-              <a:rPr lang="en-US" sz="2400" b="1" dirty="0">
-                <a:solidFill>
-                  <a:srgbClr val="0070C0"/>
-                </a:solidFill>
-              </a:rPr>
-              <a:t>f-strings</a:t>
-            </a:r>
-            <a:r>
-              <a:rPr lang="en-US" sz="2400" dirty="0"/>
-              <a:t> with </a:t>
-            </a:r>
-            <a:r>
-              <a:rPr lang="en-US" sz="2400" b="1" dirty="0"/>
-              <a:t>{}</a:t>
-            </a:r>
-            <a:r>
-              <a:rPr lang="en-US" sz="2400" dirty="0"/>
-              <a:t> placeholders (replacement fields) for variable names</a:t>
-            </a:r>
-          </a:p>
-          <a:p>
-            <a:pPr>
-              <a:spcBef>
-                <a:spcPts val="0"/>
-              </a:spcBef>
-              <a:spcAft>
-                <a:spcPts val="1200"/>
-              </a:spcAft>
-            </a:pPr>
-            <a:r>
-              <a:rPr lang="en-US" sz="2400" dirty="0"/>
-              <a:t>How to indicate </a:t>
-            </a:r>
-            <a:r>
-              <a:rPr lang="en-US" sz="2400" b="1" dirty="0"/>
-              <a:t>format specifiers</a:t>
-            </a:r>
-            <a:r>
-              <a:rPr lang="en-US" sz="2400" dirty="0"/>
-              <a:t> in order to make your code output more human readable and professional looking</a:t>
-            </a:r>
-          </a:p>
-          <a:p>
-            <a:pPr>
-              <a:spcBef>
-                <a:spcPts val="0"/>
-              </a:spcBef>
-              <a:spcAft>
-                <a:spcPts val="1200"/>
-              </a:spcAft>
-            </a:pPr>
-            <a:r>
-              <a:rPr lang="en-US" sz="2400" dirty="0"/>
-              <a:t>How to define an iterable sequence using </a:t>
-            </a:r>
-            <a:r>
-              <a:rPr lang="en-US" sz="2400" b="1" dirty="0">
-                <a:solidFill>
-                  <a:srgbClr val="00B050"/>
-                </a:solidFill>
-              </a:rPr>
-              <a:t>range()</a:t>
-            </a:r>
-          </a:p>
-          <a:p>
-            <a:pPr>
-              <a:spcBef>
-                <a:spcPts val="0"/>
-              </a:spcBef>
-              <a:spcAft>
-                <a:spcPts val="1200"/>
-              </a:spcAft>
-            </a:pPr>
-            <a:r>
-              <a:rPr lang="en-US" sz="2400" dirty="0"/>
-              <a:t>How to pass the lazy list generated by </a:t>
-            </a:r>
-            <a:r>
-              <a:rPr lang="en-US" sz="2400" b="1" dirty="0">
-                <a:solidFill>
-                  <a:srgbClr val="00B050"/>
-                </a:solidFill>
-              </a:rPr>
-              <a:t>range() </a:t>
-            </a:r>
-            <a:r>
-              <a:rPr lang="en-US" sz="2400" dirty="0"/>
-              <a:t>into the       </a:t>
-            </a:r>
-            <a:r>
-              <a:rPr lang="en-US" sz="2400" b="1" dirty="0">
-                <a:solidFill>
-                  <a:srgbClr val="0070C0"/>
-                </a:solidFill>
-              </a:rPr>
-              <a:t>for</a:t>
-            </a:r>
-            <a:r>
-              <a:rPr lang="en-US" sz="2400" b="1" dirty="0"/>
-              <a:t> </a:t>
-            </a:r>
-            <a:r>
-              <a:rPr lang="en-US" sz="2400" dirty="0"/>
-              <a:t>statement to enumerate each value in that sequence</a:t>
-            </a:r>
-          </a:p>
-          <a:p>
-            <a:pPr>
-              <a:spcBef>
-                <a:spcPts val="0"/>
-              </a:spcBef>
-              <a:spcAft>
-                <a:spcPts val="1200"/>
-              </a:spcAft>
-            </a:pPr>
-            <a:r>
-              <a:rPr lang="en-US" sz="2400" dirty="0"/>
-              <a:t>Python uses the "inclusive/</a:t>
-            </a:r>
-            <a:r>
-              <a:rPr lang="en-US" sz="2400" b="1" dirty="0">
-                <a:solidFill>
-                  <a:srgbClr val="FF0000"/>
-                </a:solidFill>
-              </a:rPr>
-              <a:t>exclusive</a:t>
-            </a:r>
-            <a:r>
-              <a:rPr lang="en-US" sz="2400" dirty="0"/>
-              <a:t>" paradigm constantly</a:t>
-            </a:r>
-          </a:p>
-        </p:txBody>
-      </p:sp>
-      <p:sp>
-        <p:nvSpPr>
-          <p:cNvPr id="4" name="Slide Number Placeholder 3"/>
-          <p:cNvSpPr>
-            <a:spLocks noGrp="1"/>
-          </p:cNvSpPr>
-          <p:nvPr>
-            <p:ph type="sldNum" sz="quarter" idx="12"/>
-          </p:nvPr>
-        </p:nvSpPr>
-        <p:spPr/>
-        <p:txBody>
-          <a:bodyPr/>
-          <a:lstStyle/>
-          <a:p>
-            <a:fld id="{650AD656-6FF9-465D-B7B0-1CD0DD39CD23}" type="slidenum">
-              <a:rPr lang="en-US" smtClean="0"/>
-              <a:t>52</a:t>
-            </a:fld>
-            <a:endParaRPr lang="en-US" dirty="0"/>
-          </a:p>
-        </p:txBody>
-      </p:sp>
-    </p:spTree>
-    <p:extLst>
-      <p:ext uri="{BB962C8B-B14F-4D97-AF65-F5344CB8AC3E}">
-        <p14:creationId xmlns:p14="http://schemas.microsoft.com/office/powerpoint/2010/main" val="354279882"/>
-      </p:ext>
-    </p:extLst>
-  </p:cSld>
-  <p:clrMapOvr>
-    <a:masterClrMapping/>
-  </p:clrMapOvr>
-  <p:timing>
-    <p:tnLst>
-      <p:par>
-        <p:cTn id="1" dur="indefinite" restart="never" nodeType="tmRoot">
-          <p:childTnLst>
-            <p:seq concurrent="1" nextAc="seek">
-              <p:cTn id="2" dur="indefinite" nodeType="mainSeq">
-                <p:childTnLst>
-                  <p:par>
-                    <p:cTn id="3" fill="hold">
-                      <p:stCondLst>
-                        <p:cond delay="indefinite"/>
-                      </p:stCondLst>
-                      <p:childTnLst>
-                        <p:par>
-                          <p:cTn id="4" fill="hold">
-                            <p:stCondLst>
-                              <p:cond delay="0"/>
-                            </p:stCondLst>
-                            <p:childTnLst>
-                              <p:par>
-                                <p:cTn id="5" presetID="1" presetClass="entr" presetSubtype="0" fill="hold" nodeType="clickEffect">
-                                  <p:stCondLst>
-                                    <p:cond delay="0"/>
-                                  </p:stCondLst>
-                                  <p:childTnLst>
-                                    <p:set>
-                                      <p:cBhvr>
-                                        <p:cTn id="6" dur="1" fill="hold">
-                                          <p:stCondLst>
-                                            <p:cond delay="0"/>
-                                          </p:stCondLst>
-                                        </p:cTn>
-                                        <p:tgtEl>
-                                          <p:spTgt spid="3">
-                                            <p:txEl>
-                                              <p:pRg st="1" end="1"/>
-                                            </p:txEl>
-                                          </p:spTgt>
-                                        </p:tgtEl>
-                                        <p:attrNameLst>
-                                          <p:attrName>style.visibility</p:attrName>
-                                        </p:attrNameLst>
-                                      </p:cBhvr>
-                                      <p:to>
-                                        <p:strVal val="visible"/>
-                                      </p:to>
-                                    </p:set>
-                                  </p:childTnLst>
-                                </p:cTn>
-                              </p:par>
-                            </p:childTnLst>
-                          </p:cTn>
-                        </p:par>
-                      </p:childTnLst>
-                    </p:cTn>
-                  </p:par>
-                  <p:par>
-                    <p:cTn id="7" fill="hold">
-                      <p:stCondLst>
-                        <p:cond delay="indefinite"/>
-                      </p:stCondLst>
-                      <p:childTnLst>
-                        <p:par>
-                          <p:cTn id="8" fill="hold">
-                            <p:stCondLst>
-                              <p:cond delay="0"/>
-                            </p:stCondLst>
-                            <p:childTnLst>
-                              <p:par>
-                                <p:cTn id="9" presetID="1" presetClass="entr" presetSubtype="0" fill="hold" nodeType="clickEffect">
-                                  <p:stCondLst>
-                                    <p:cond delay="0"/>
-                                  </p:stCondLst>
-                                  <p:childTnLst>
-                                    <p:set>
-                                      <p:cBhvr>
-                                        <p:cTn id="10" dur="1" fill="hold">
-                                          <p:stCondLst>
-                                            <p:cond delay="0"/>
-                                          </p:stCondLst>
-                                        </p:cTn>
-                                        <p:tgtEl>
-                                          <p:spTgt spid="3">
-                                            <p:txEl>
-                                              <p:pRg st="2" end="2"/>
-                                            </p:txEl>
-                                          </p:spTgt>
-                                        </p:tgtEl>
-                                        <p:attrNameLst>
-                                          <p:attrName>style.visibility</p:attrName>
-                                        </p:attrNameLst>
-                                      </p:cBhvr>
-                                      <p:to>
-                                        <p:strVal val="visible"/>
-                                      </p:to>
-                                    </p:set>
-                                  </p:childTnLst>
-                                </p:cTn>
-                              </p:par>
-                            </p:childTnLst>
-                          </p:cTn>
-                        </p:par>
-                      </p:childTnLst>
-                    </p:cTn>
-                  </p:par>
-                  <p:par>
-                    <p:cTn id="11" fill="hold">
-                      <p:stCondLst>
-                        <p:cond delay="indefinite"/>
-                      </p:stCondLst>
-                      <p:childTnLst>
-                        <p:par>
-                          <p:cTn id="12" fill="hold">
-                            <p:stCondLst>
-                              <p:cond delay="0"/>
-                            </p:stCondLst>
-                            <p:childTnLst>
-                              <p:par>
-                                <p:cTn id="13" presetID="1" presetClass="entr" presetSubtype="0" fill="hold" nodeType="clickEffect">
-                                  <p:stCondLst>
-                                    <p:cond delay="0"/>
-                                  </p:stCondLst>
-                                  <p:childTnLst>
-                                    <p:set>
-                                      <p:cBhvr>
-                                        <p:cTn id="14" dur="1" fill="hold">
-                                          <p:stCondLst>
-                                            <p:cond delay="0"/>
-                                          </p:stCondLst>
-                                        </p:cTn>
-                                        <p:tgtEl>
-                                          <p:spTgt spid="3">
-                                            <p:txEl>
-                                              <p:pRg st="3" end="3"/>
-                                            </p:txEl>
-                                          </p:spTgt>
-                                        </p:tgtEl>
-                                        <p:attrNameLst>
-                                          <p:attrName>style.visibility</p:attrName>
-                                        </p:attrNameLst>
-                                      </p:cBhvr>
-                                      <p:to>
-                                        <p:strVal val="visible"/>
-                                      </p:to>
-                                    </p:set>
-                                  </p:childTnLst>
-                                </p:cTn>
-                              </p:par>
-                            </p:childTnLst>
-                          </p:cTn>
-                        </p:par>
-                      </p:childTnLst>
-                    </p:cTn>
-                  </p:par>
-                  <p:par>
-                    <p:cTn id="15" fill="hold">
-                      <p:stCondLst>
-                        <p:cond delay="indefinite"/>
-                      </p:stCondLst>
-                      <p:childTnLst>
-                        <p:par>
-                          <p:cTn id="16" fill="hold">
-                            <p:stCondLst>
-                              <p:cond delay="0"/>
-                            </p:stCondLst>
-                            <p:childTnLst>
-                              <p:par>
-                                <p:cTn id="17" presetID="1" presetClass="entr" presetSubtype="0" fill="hold" nodeType="clickEffect">
-                                  <p:stCondLst>
-                                    <p:cond delay="0"/>
-                                  </p:stCondLst>
-                                  <p:childTnLst>
-                                    <p:set>
-                                      <p:cBhvr>
-                                        <p:cTn id="18" dur="1" fill="hold">
-                                          <p:stCondLst>
-                                            <p:cond delay="0"/>
-                                          </p:stCondLst>
-                                        </p:cTn>
-                                        <p:tgtEl>
-                                          <p:spTgt spid="3">
-                                            <p:txEl>
-                                              <p:pRg st="4" end="4"/>
-                                            </p:txEl>
-                                          </p:spTgt>
-                                        </p:tgtEl>
-                                        <p:attrNameLst>
-                                          <p:attrName>style.visibility</p:attrName>
-                                        </p:attrNameLst>
-                                      </p:cBhvr>
-                                      <p:to>
-                                        <p:strVal val="visible"/>
-                                      </p:to>
-                                    </p:set>
-                                  </p:childTnLst>
-                                </p:cTn>
-                              </p:par>
-                            </p:childTnLst>
-                          </p:cTn>
-                        </p:par>
-                      </p:childTnLst>
-                    </p:cTn>
-                  </p:par>
-                  <p:par>
-                    <p:cTn id="19" fill="hold">
-                      <p:stCondLst>
-                        <p:cond delay="indefinite"/>
-                      </p:stCondLst>
-                      <p:childTnLst>
-                        <p:par>
-                          <p:cTn id="20" fill="hold">
-                            <p:stCondLst>
-                              <p:cond delay="0"/>
-                            </p:stCondLst>
-                            <p:childTnLst>
-                              <p:par>
-                                <p:cTn id="21" presetID="1" presetClass="entr" presetSubtype="0" fill="hold" nodeType="clickEffect">
-                                  <p:stCondLst>
-                                    <p:cond delay="0"/>
-                                  </p:stCondLst>
-                                  <p:childTnLst>
-                                    <p:set>
-                                      <p:cBhvr>
-                                        <p:cTn id="22" dur="1" fill="hold">
-                                          <p:stCondLst>
-                                            <p:cond delay="0"/>
-                                          </p:stCondLst>
-                                        </p:cTn>
-                                        <p:tgtEl>
-                                          <p:spTgt spid="3">
-                                            <p:txEl>
-                                              <p:pRg st="5" end="5"/>
-                                            </p:txEl>
-                                          </p:spTgt>
-                                        </p:tgtEl>
-                                        <p:attrNameLst>
-                                          <p:attrName>style.visibility</p:attrName>
-                                        </p:attrNameLst>
-                                      </p:cBhvr>
-                                      <p:to>
-                                        <p:strVal val="visible"/>
-                                      </p:to>
-                                    </p:set>
-                                  </p:childTnLst>
-                                </p:cTn>
-                              </p:par>
-                            </p:childTnLst>
-                          </p:cTn>
-                        </p:par>
-                      </p:childTnLst>
-                    </p:cTn>
-                  </p:par>
-                  <p:par>
-                    <p:cTn id="23" fill="hold">
-                      <p:stCondLst>
-                        <p:cond delay="indefinite"/>
-                      </p:stCondLst>
-                      <p:childTnLst>
-                        <p:par>
-                          <p:cTn id="24" fill="hold">
-                            <p:stCondLst>
-                              <p:cond delay="0"/>
-                            </p:stCondLst>
-                            <p:childTnLst>
-                              <p:par>
-                                <p:cTn id="25" presetID="1" presetClass="entr" presetSubtype="0" fill="hold" nodeType="clickEffect">
-                                  <p:stCondLst>
-                                    <p:cond delay="0"/>
-                                  </p:stCondLst>
-                                  <p:childTnLst>
-                                    <p:set>
-                                      <p:cBhvr>
-                                        <p:cTn id="26" dur="1" fill="hold">
-                                          <p:stCondLst>
-                                            <p:cond delay="0"/>
-                                          </p:stCondLst>
-                                        </p:cTn>
-                                        <p:tgtEl>
-                                          <p:spTgt spid="3">
-                                            <p:txEl>
-                                              <p:pRg st="6" end="6"/>
-                                            </p:txEl>
-                                          </p:spTgt>
-                                        </p:tgtEl>
-                                        <p:attrNameLst>
-                                          <p:attrName>style.visibility</p:attrName>
-                                        </p:attrNameLst>
-                                      </p:cBhvr>
-                                      <p:to>
-                                        <p:strVal val="visible"/>
-                                      </p:to>
-                                    </p:set>
-                                  </p:childTnLst>
-                                </p:cTn>
-                              </p:par>
-                            </p:childTnLst>
-                          </p:cTn>
-                        </p:par>
-                      </p:childTnLst>
-                    </p:cTn>
-                  </p:par>
-                </p:childTnLst>
-              </p:cTn>
-              <p:prevCondLst>
-                <p:cond evt="onPrev" delay="0">
-                  <p:tgtEl>
-                    <p:sldTgt/>
-                  </p:tgtEl>
-                </p:cond>
-              </p:prevCondLst>
-              <p:nextCondLst>
-                <p:cond evt="onNext" delay="0">
-                  <p:tgtEl>
-                    <p:sldTgt/>
-                  </p:tgtEl>
-                </p:cond>
-              </p:nextCondLst>
-            </p:seq>
-          </p:childTnLst>
-        </p:cTn>
-      </p:par>
-    </p:tnLst>
-  </p:timing>
-</p:sld>
-</file>
-
-<file path=ppt/slides/slide53.xml><?xml version="1.0" encoding="utf-8"?>
-<p:sld xmlns:a="http://schemas.openxmlformats.org/drawingml/2006/main" xmlns:r="http://schemas.openxmlformats.org/officeDocument/2006/relationships" xmlns:p="http://schemas.openxmlformats.org/presentationml/2006/main">
-  <p:cSld>
-    <p:spTree>
-      <p:nvGrpSpPr>
-        <p:cNvPr id="1" name=""/>
-        <p:cNvGrpSpPr/>
-        <p:nvPr/>
-      </p:nvGrpSpPr>
-      <p:grpSpPr>
-        <a:xfrm>
-          <a:off x="0" y="0"/>
-          <a:ext cx="0" cy="0"/>
-          <a:chOff x="0" y="0"/>
-          <a:chExt cx="0" cy="0"/>
-        </a:xfrm>
-      </p:grpSpPr>
-      <p:sp>
-        <p:nvSpPr>
-          <p:cNvPr id="2" name="Title 1"/>
-          <p:cNvSpPr>
-            <a:spLocks noGrp="1"/>
-          </p:cNvSpPr>
-          <p:nvPr>
-            <p:ph type="title"/>
-          </p:nvPr>
-        </p:nvSpPr>
-        <p:spPr>
-          <a:xfrm>
-            <a:off x="628650" y="365126"/>
-            <a:ext cx="7886700" cy="1103455"/>
-          </a:xfrm>
-        </p:spPr>
-        <p:txBody>
-          <a:bodyPr>
-            <a:noAutofit/>
-          </a:bodyPr>
-          <a:lstStyle/>
-          <a:p>
-            <a:pPr algn="ctr"/>
-            <a:r>
-              <a:rPr lang="en-US" sz="3200" dirty="0">
-                <a:latin typeface="+mn-lt"/>
-              </a:rPr>
-              <a:t>Session </a:t>
-            </a:r>
-            <a:r>
-              <a:rPr lang="en-US" sz="3200" b="1" dirty="0">
-                <a:latin typeface="+mn-lt"/>
-              </a:rPr>
-              <a:t>03</a:t>
-            </a:r>
-            <a:r>
-              <a:rPr lang="en-US" sz="3200" dirty="0">
-                <a:latin typeface="+mn-lt"/>
-              </a:rPr>
-              <a:t> – Now You Know…</a:t>
-            </a:r>
-          </a:p>
-        </p:txBody>
-      </p:sp>
-      <p:sp>
-        <p:nvSpPr>
-          <p:cNvPr id="3" name="Content Placeholder 2"/>
-          <p:cNvSpPr>
-            <a:spLocks noGrp="1"/>
-          </p:cNvSpPr>
-          <p:nvPr>
-            <p:ph idx="1"/>
-          </p:nvPr>
-        </p:nvSpPr>
-        <p:spPr/>
-        <p:txBody>
-          <a:bodyPr>
-            <a:noAutofit/>
-          </a:bodyPr>
-          <a:lstStyle/>
-          <a:p>
-            <a:pPr>
-              <a:spcBef>
-                <a:spcPts val="0"/>
-              </a:spcBef>
-              <a:spcAft>
-                <a:spcPts val="1200"/>
-              </a:spcAft>
-            </a:pPr>
-            <a:r>
-              <a:rPr lang="en-US" sz="2400" dirty="0"/>
-              <a:t>How to place comments in your code using </a:t>
-            </a:r>
-            <a:r>
-              <a:rPr lang="en-US" sz="2400" b="1" dirty="0">
-                <a:solidFill>
-                  <a:srgbClr val="00B050"/>
-                </a:solidFill>
-              </a:rPr>
-              <a:t>#</a:t>
-            </a:r>
-          </a:p>
-          <a:p>
-            <a:pPr>
-              <a:spcBef>
-                <a:spcPts val="0"/>
-              </a:spcBef>
-              <a:spcAft>
-                <a:spcPts val="1200"/>
-              </a:spcAft>
-            </a:pPr>
-            <a:r>
-              <a:rPr lang="en-US" sz="2400" dirty="0"/>
-              <a:t>How to use special system-defined "double underscore" (aka </a:t>
-            </a:r>
-            <a:r>
-              <a:rPr lang="en-US" sz="2400" b="1" dirty="0" err="1"/>
-              <a:t>dunder</a:t>
-            </a:r>
-            <a:r>
-              <a:rPr lang="en-US" sz="2400" dirty="0"/>
-              <a:t>) methods to support running Python code directly from the command line</a:t>
-            </a:r>
-          </a:p>
-          <a:p>
-            <a:pPr>
-              <a:spcBef>
-                <a:spcPts val="0"/>
-              </a:spcBef>
-              <a:spcAft>
-                <a:spcPts val="1200"/>
-              </a:spcAft>
-            </a:pPr>
-            <a:r>
-              <a:rPr lang="en-US" sz="2400" dirty="0"/>
-              <a:t>Using single underscore character for thousands separator in numeric literals</a:t>
-            </a:r>
-          </a:p>
-          <a:p>
-            <a:pPr>
-              <a:spcBef>
-                <a:spcPts val="0"/>
-              </a:spcBef>
-              <a:spcAft>
-                <a:spcPts val="1200"/>
-              </a:spcAft>
-            </a:pPr>
-            <a:r>
-              <a:rPr lang="en-US" sz="2400" dirty="0"/>
-              <a:t>How to declare custom functions using </a:t>
-            </a:r>
-            <a:r>
-              <a:rPr lang="en-US" sz="2400" b="1" dirty="0">
-                <a:solidFill>
-                  <a:srgbClr val="0070C0"/>
-                </a:solidFill>
-              </a:rPr>
-              <a:t>def</a:t>
-            </a:r>
-          </a:p>
-          <a:p>
-            <a:pPr>
-              <a:spcBef>
-                <a:spcPts val="0"/>
-              </a:spcBef>
-              <a:spcAft>
-                <a:spcPts val="1200"/>
-              </a:spcAft>
-            </a:pPr>
-            <a:r>
-              <a:rPr lang="en-US" sz="2400" dirty="0"/>
-              <a:t>How to import modules (external packages / libraries / functions) using the </a:t>
-            </a:r>
-            <a:r>
-              <a:rPr lang="en-US" sz="2400" dirty="0">
-                <a:ln>
-                  <a:solidFill>
-                    <a:srgbClr val="C7758A"/>
-                  </a:solidFill>
-                </a:ln>
-                <a:solidFill>
-                  <a:srgbClr val="C7758A"/>
-                </a:solidFill>
-              </a:rPr>
-              <a:t>import</a:t>
-            </a:r>
-            <a:r>
-              <a:rPr lang="en-US" sz="2400" dirty="0"/>
-              <a:t> statement</a:t>
-            </a:r>
-          </a:p>
-          <a:p>
-            <a:pPr>
-              <a:spcBef>
-                <a:spcPts val="0"/>
-              </a:spcBef>
-              <a:spcAft>
-                <a:spcPts val="1200"/>
-              </a:spcAft>
-            </a:pPr>
-            <a:r>
-              <a:rPr lang="en-US" sz="2400" dirty="0"/>
-              <a:t>How to use </a:t>
-            </a:r>
-            <a:r>
-              <a:rPr lang="en-US" sz="2400" b="1" dirty="0">
-                <a:solidFill>
-                  <a:srgbClr val="00B050"/>
-                </a:solidFill>
-              </a:rPr>
-              <a:t>tuple unpacking </a:t>
-            </a:r>
-            <a:r>
-              <a:rPr lang="en-US" sz="2400" dirty="0"/>
-              <a:t>to do multiple variable assignments with a single line of code</a:t>
-            </a:r>
-          </a:p>
-          <a:p>
-            <a:pPr>
-              <a:spcBef>
-                <a:spcPts val="0"/>
-              </a:spcBef>
-              <a:spcAft>
-                <a:spcPts val="1200"/>
-              </a:spcAft>
-            </a:pPr>
-            <a:endParaRPr lang="en-US" sz="2400" dirty="0"/>
-          </a:p>
-          <a:p>
-            <a:pPr>
-              <a:spcBef>
-                <a:spcPts val="0"/>
-              </a:spcBef>
-              <a:spcAft>
-                <a:spcPts val="1200"/>
-              </a:spcAft>
-            </a:pPr>
-            <a:endParaRPr lang="en-US" sz="2400" dirty="0"/>
-          </a:p>
-          <a:p>
-            <a:pPr>
-              <a:spcBef>
-                <a:spcPts val="0"/>
-              </a:spcBef>
-              <a:spcAft>
-                <a:spcPts val="1200"/>
-              </a:spcAft>
-            </a:pPr>
-            <a:endParaRPr lang="en-US" sz="2400" dirty="0"/>
-          </a:p>
-        </p:txBody>
-      </p:sp>
-      <p:sp>
-        <p:nvSpPr>
-          <p:cNvPr id="4" name="Slide Number Placeholder 3"/>
-          <p:cNvSpPr>
-            <a:spLocks noGrp="1"/>
-          </p:cNvSpPr>
-          <p:nvPr>
-            <p:ph type="sldNum" sz="quarter" idx="12"/>
-          </p:nvPr>
-        </p:nvSpPr>
-        <p:spPr/>
-        <p:txBody>
-          <a:bodyPr/>
-          <a:lstStyle/>
-          <a:p>
-            <a:fld id="{650AD656-6FF9-465D-B7B0-1CD0DD39CD23}" type="slidenum">
-              <a:rPr lang="en-US" smtClean="0"/>
-              <a:t>53</a:t>
-            </a:fld>
-            <a:endParaRPr lang="en-US" dirty="0"/>
-          </a:p>
-        </p:txBody>
-      </p:sp>
-    </p:spTree>
-    <p:extLst>
-      <p:ext uri="{BB962C8B-B14F-4D97-AF65-F5344CB8AC3E}">
-        <p14:creationId xmlns:p14="http://schemas.microsoft.com/office/powerpoint/2010/main" val="899075750"/>
-      </p:ext>
-    </p:extLst>
-  </p:cSld>
-  <p:clrMapOvr>
-    <a:masterClrMapping/>
-  </p:clrMapOvr>
-  <p:timing>
-    <p:tnLst>
-      <p:par>
-        <p:cTn id="1" dur="indefinite" restart="never" nodeType="tmRoot">
-          <p:childTnLst>
-            <p:seq concurrent="1" nextAc="seek">
-              <p:cTn id="2" dur="indefinite" nodeType="mainSeq">
-                <p:childTnLst>
-                  <p:par>
-                    <p:cTn id="3" fill="hold">
-                      <p:stCondLst>
-                        <p:cond delay="indefinite"/>
-                      </p:stCondLst>
-                      <p:childTnLst>
-                        <p:par>
-                          <p:cTn id="4" fill="hold">
-                            <p:stCondLst>
-                              <p:cond delay="0"/>
-                            </p:stCondLst>
-                            <p:childTnLst>
-                              <p:par>
-                                <p:cTn id="5" presetID="1" presetClass="entr" presetSubtype="0" fill="hold" nodeType="clickEffect">
-                                  <p:stCondLst>
-                                    <p:cond delay="0"/>
-                                  </p:stCondLst>
-                                  <p:childTnLst>
-                                    <p:set>
-                                      <p:cBhvr>
-                                        <p:cTn id="6" dur="1" fill="hold">
-                                          <p:stCondLst>
-                                            <p:cond delay="0"/>
-                                          </p:stCondLst>
-                                        </p:cTn>
-                                        <p:tgtEl>
-                                          <p:spTgt spid="3">
-                                            <p:txEl>
-                                              <p:pRg st="1" end="1"/>
-                                            </p:txEl>
-                                          </p:spTgt>
-                                        </p:tgtEl>
-                                        <p:attrNameLst>
-                                          <p:attrName>style.visibility</p:attrName>
-                                        </p:attrNameLst>
-                                      </p:cBhvr>
-                                      <p:to>
-                                        <p:strVal val="visible"/>
-                                      </p:to>
-                                    </p:set>
-                                  </p:childTnLst>
-                                </p:cTn>
-                              </p:par>
-                            </p:childTnLst>
-                          </p:cTn>
-                        </p:par>
-                      </p:childTnLst>
-                    </p:cTn>
-                  </p:par>
-                  <p:par>
-                    <p:cTn id="7" fill="hold">
-                      <p:stCondLst>
-                        <p:cond delay="indefinite"/>
-                      </p:stCondLst>
-                      <p:childTnLst>
-                        <p:par>
-                          <p:cTn id="8" fill="hold">
-                            <p:stCondLst>
-                              <p:cond delay="0"/>
-                            </p:stCondLst>
-                            <p:childTnLst>
-                              <p:par>
-                                <p:cTn id="9" presetID="1" presetClass="entr" presetSubtype="0" fill="hold" nodeType="clickEffect">
-                                  <p:stCondLst>
-                                    <p:cond delay="0"/>
-                                  </p:stCondLst>
-                                  <p:childTnLst>
-                                    <p:set>
-                                      <p:cBhvr>
-                                        <p:cTn id="10" dur="1" fill="hold">
-                                          <p:stCondLst>
-                                            <p:cond delay="0"/>
-                                          </p:stCondLst>
-                                        </p:cTn>
-                                        <p:tgtEl>
-                                          <p:spTgt spid="3">
-                                            <p:txEl>
-                                              <p:pRg st="2" end="2"/>
-                                            </p:txEl>
-                                          </p:spTgt>
-                                        </p:tgtEl>
-                                        <p:attrNameLst>
-                                          <p:attrName>style.visibility</p:attrName>
-                                        </p:attrNameLst>
-                                      </p:cBhvr>
-                                      <p:to>
-                                        <p:strVal val="visible"/>
-                                      </p:to>
-                                    </p:set>
-                                  </p:childTnLst>
-                                </p:cTn>
-                              </p:par>
-                            </p:childTnLst>
-                          </p:cTn>
-                        </p:par>
-                      </p:childTnLst>
-                    </p:cTn>
-                  </p:par>
-                  <p:par>
-                    <p:cTn id="11" fill="hold">
-                      <p:stCondLst>
-                        <p:cond delay="indefinite"/>
-                      </p:stCondLst>
-                      <p:childTnLst>
-                        <p:par>
-                          <p:cTn id="12" fill="hold">
-                            <p:stCondLst>
-                              <p:cond delay="0"/>
-                            </p:stCondLst>
-                            <p:childTnLst>
-                              <p:par>
-                                <p:cTn id="13" presetID="1" presetClass="entr" presetSubtype="0" fill="hold" nodeType="clickEffect">
-                                  <p:stCondLst>
-                                    <p:cond delay="0"/>
-                                  </p:stCondLst>
-                                  <p:childTnLst>
-                                    <p:set>
-                                      <p:cBhvr>
-                                        <p:cTn id="14" dur="1" fill="hold">
-                                          <p:stCondLst>
-                                            <p:cond delay="0"/>
-                                          </p:stCondLst>
-                                        </p:cTn>
-                                        <p:tgtEl>
-                                          <p:spTgt spid="3">
-                                            <p:txEl>
-                                              <p:pRg st="3" end="3"/>
-                                            </p:txEl>
-                                          </p:spTgt>
-                                        </p:tgtEl>
-                                        <p:attrNameLst>
-                                          <p:attrName>style.visibility</p:attrName>
-                                        </p:attrNameLst>
-                                      </p:cBhvr>
-                                      <p:to>
-                                        <p:strVal val="visible"/>
-                                      </p:to>
-                                    </p:set>
-                                  </p:childTnLst>
-                                </p:cTn>
-                              </p:par>
-                            </p:childTnLst>
-                          </p:cTn>
-                        </p:par>
-                      </p:childTnLst>
-                    </p:cTn>
-                  </p:par>
-                  <p:par>
-                    <p:cTn id="15" fill="hold">
-                      <p:stCondLst>
-                        <p:cond delay="indefinite"/>
-                      </p:stCondLst>
-                      <p:childTnLst>
-                        <p:par>
-                          <p:cTn id="16" fill="hold">
-                            <p:stCondLst>
-                              <p:cond delay="0"/>
-                            </p:stCondLst>
-                            <p:childTnLst>
-                              <p:par>
-                                <p:cTn id="17" presetID="1" presetClass="entr" presetSubtype="0" fill="hold" nodeType="clickEffect">
-                                  <p:stCondLst>
-                                    <p:cond delay="0"/>
-                                  </p:stCondLst>
-                                  <p:childTnLst>
-                                    <p:set>
-                                      <p:cBhvr>
-                                        <p:cTn id="18" dur="1" fill="hold">
-                                          <p:stCondLst>
-                                            <p:cond delay="0"/>
-                                          </p:stCondLst>
-                                        </p:cTn>
-                                        <p:tgtEl>
-                                          <p:spTgt spid="3">
-                                            <p:txEl>
-                                              <p:pRg st="4" end="4"/>
-                                            </p:txEl>
-                                          </p:spTgt>
-                                        </p:tgtEl>
-                                        <p:attrNameLst>
-                                          <p:attrName>style.visibility</p:attrName>
-                                        </p:attrNameLst>
-                                      </p:cBhvr>
-                                      <p:to>
-                                        <p:strVal val="visible"/>
-                                      </p:to>
-                                    </p:set>
-                                  </p:childTnLst>
-                                </p:cTn>
-                              </p:par>
-                            </p:childTnLst>
-                          </p:cTn>
-                        </p:par>
-                      </p:childTnLst>
-                    </p:cTn>
-                  </p:par>
-                  <p:par>
-                    <p:cTn id="19" fill="hold">
-                      <p:stCondLst>
-                        <p:cond delay="indefinite"/>
-                      </p:stCondLst>
-                      <p:childTnLst>
-                        <p:par>
-                          <p:cTn id="20" fill="hold">
-                            <p:stCondLst>
-                              <p:cond delay="0"/>
-                            </p:stCondLst>
-                            <p:childTnLst>
-                              <p:par>
-                                <p:cTn id="21" presetID="1" presetClass="entr" presetSubtype="0" fill="hold" nodeType="clickEffect">
-                                  <p:stCondLst>
-                                    <p:cond delay="0"/>
-                                  </p:stCondLst>
-                                  <p:childTnLst>
-                                    <p:set>
-                                      <p:cBhvr>
-                                        <p:cTn id="22" dur="1" fill="hold">
-                                          <p:stCondLst>
-                                            <p:cond delay="0"/>
-                                          </p:stCondLst>
-                                        </p:cTn>
-                                        <p:tgtEl>
-                                          <p:spTgt spid="3">
-                                            <p:txEl>
-                                              <p:pRg st="5" end="5"/>
                                             </p:txEl>
                                           </p:spTgt>
                                         </p:tgtEl>

--- a/slides/Session 03 - Introducing Python/Session 03 - Introducing Python.pptx
+++ b/slides/Session 03 - Introducing Python/Session 03 - Introducing Python.pptx
@@ -311,7 +311,7 @@
           <a:p>
             <a:fld id="{A241AC98-512A-4A35-865E-757B6C1F07A2}" type="datetimeFigureOut">
               <a:rPr lang="en-US" smtClean="0"/>
-              <a:t>6/2/2022</a:t>
+              <a:t>7/21/2022</a:t>
             </a:fld>
             <a:endParaRPr lang="en-US"/>
           </a:p>
@@ -477,7 +477,7 @@
           <a:p>
             <a:fld id="{3854CEE7-15DE-41D9-8CA2-D1E137B1D850}" type="datetimeFigureOut">
               <a:rPr lang="en-US" smtClean="0"/>
-              <a:t>6/2/2022</a:t>
+              <a:t>7/21/2022</a:t>
             </a:fld>
             <a:endParaRPr lang="en-US"/>
           </a:p>
@@ -1548,7 +1548,7 @@
           <a:p>
             <a:fld id="{5555EB2C-244D-4423-AD97-018ED6478B87}" type="datetime1">
               <a:rPr lang="en-US" smtClean="0"/>
-              <a:t>6/2/2022</a:t>
+              <a:t>7/21/2022</a:t>
             </a:fld>
             <a:endParaRPr lang="en-US"/>
           </a:p>
@@ -1727,7 +1727,7 @@
           <a:p>
             <a:fld id="{A2B41D1F-7576-4C60-B4EB-5115BC56CF40}" type="datetime1">
               <a:rPr lang="en-US" smtClean="0"/>
-              <a:t>6/2/2022</a:t>
+              <a:t>7/21/2022</a:t>
             </a:fld>
             <a:endParaRPr lang="en-US"/>
           </a:p>
@@ -1919,7 +1919,7 @@
           <a:p>
             <a:fld id="{E79D1398-4D56-44F9-BA35-34ACF3159A64}" type="datetime1">
               <a:rPr lang="en-US" smtClean="0"/>
-              <a:t>6/2/2022</a:t>
+              <a:t>7/21/2022</a:t>
             </a:fld>
             <a:endParaRPr lang="en-US"/>
           </a:p>
@@ -2101,7 +2101,7 @@
           <a:p>
             <a:fld id="{A3CF632E-48CB-4EEB-A6B6-DEC7AD7CC976}" type="datetime1">
               <a:rPr lang="en-US" smtClean="0"/>
-              <a:t>6/2/2022</a:t>
+              <a:t>7/21/2022</a:t>
             </a:fld>
             <a:endParaRPr lang="en-US"/>
           </a:p>
@@ -2354,7 +2354,7 @@
           <a:p>
             <a:fld id="{BAEEE52C-3A57-458E-95F6-96B2FA9D1DD4}" type="datetime1">
               <a:rPr lang="en-US" smtClean="0"/>
-              <a:t>6/2/2022</a:t>
+              <a:t>7/21/2022</a:t>
             </a:fld>
             <a:endParaRPr lang="en-US"/>
           </a:p>
@@ -2598,7 +2598,7 @@
           <a:p>
             <a:fld id="{766FC747-A48A-4FF2-8EE4-3E95ECD1C2A8}" type="datetime1">
               <a:rPr lang="en-US" smtClean="0"/>
-              <a:t>6/2/2022</a:t>
+              <a:t>7/21/2022</a:t>
             </a:fld>
             <a:endParaRPr lang="en-US"/>
           </a:p>
@@ -2977,7 +2977,7 @@
           <a:p>
             <a:fld id="{C9BF5758-AB7F-463D-B638-E1729B95E126}" type="datetime1">
               <a:rPr lang="en-US" smtClean="0"/>
-              <a:t>6/2/2022</a:t>
+              <a:t>7/21/2022</a:t>
             </a:fld>
             <a:endParaRPr lang="en-US"/>
           </a:p>
@@ -3107,7 +3107,7 @@
           <a:p>
             <a:fld id="{F3718C77-7DD0-4738-BF52-D0EC9F78A76E}" type="datetime1">
               <a:rPr lang="en-US" smtClean="0"/>
-              <a:t>6/2/2022</a:t>
+              <a:t>7/21/2022</a:t>
             </a:fld>
             <a:endParaRPr lang="en-US"/>
           </a:p>
@@ -3214,7 +3214,7 @@
           <a:p>
             <a:fld id="{948970CF-13D9-4E1D-A74F-2CFE4953FCDB}" type="datetime1">
               <a:rPr lang="en-US" smtClean="0"/>
-              <a:t>6/2/2022</a:t>
+              <a:t>7/21/2022</a:t>
             </a:fld>
             <a:endParaRPr lang="en-US"/>
           </a:p>
@@ -3503,7 +3503,7 @@
           <a:p>
             <a:fld id="{F68C49B9-4E1C-4967-B9CF-0BF9FECBE837}" type="datetime1">
               <a:rPr lang="en-US" smtClean="0"/>
-              <a:t>6/2/2022</a:t>
+              <a:t>7/21/2022</a:t>
             </a:fld>
             <a:endParaRPr lang="en-US"/>
           </a:p>
@@ -3771,7 +3771,7 @@
           <a:p>
             <a:fld id="{7E338CBB-1F06-4333-9BBF-66628B15E581}" type="datetime1">
               <a:rPr lang="en-US" smtClean="0"/>
-              <a:t>6/2/2022</a:t>
+              <a:t>7/21/2022</a:t>
             </a:fld>
             <a:endParaRPr lang="en-US"/>
           </a:p>
@@ -3996,7 +3996,7 @@
           <a:p>
             <a:fld id="{705EC883-F03C-4CA3-AF62-BEF30EEA4F65}" type="datetime1">
               <a:rPr lang="en-US" smtClean="0"/>
-              <a:t>6/2/2022</a:t>
+              <a:t>7/21/2022</a:t>
             </a:fld>
             <a:endParaRPr lang="en-US"/>
           </a:p>
@@ -11860,8 +11860,8 @@
           </a:p>
         </p:txBody>
       </p:sp>
-      <mc:AlternateContent xmlns:mc="http://schemas.openxmlformats.org/markup-compatibility/2006" xmlns:a14="http://schemas.microsoft.com/office/drawing/2010/main">
-        <mc:Choice Requires="a14">
+      <mc:AlternateContent xmlns:mc="http://schemas.openxmlformats.org/markup-compatibility/2006">
+        <mc:Choice xmlns:a14="http://schemas.microsoft.com/office/drawing/2010/main" Requires="a14">
           <p:sp>
             <p:nvSpPr>
               <p:cNvPr id="3" name="Content Placeholder 2"/>
@@ -11953,8 +11953,12 @@
                   </a:spcAft>
                 </a:pPr>
                 <a:r>
+                  <a:rPr lang="en-US" sz="2400"/>
+                  <a:t>This particular </a:t>
+                </a:r>
+                <a:r>
                   <a:rPr lang="en-US" sz="2400" dirty="0"/>
-                  <a:t>This is particular sum is called the </a:t>
+                  <a:t>sum is called the </a:t>
                 </a:r>
                 <a:r>
                   <a:rPr lang="en-US" sz="2400" b="1" dirty="0">
@@ -12059,7 +12063,7 @@
             </p:txBody>
           </p:sp>
         </mc:Choice>
-        <mc:Fallback xmlns="">
+        <mc:Fallback>
           <p:sp>
             <p:nvSpPr>
               <p:cNvPr id="3" name="Content Placeholder 2"/>

--- a/slides/Session 03 - Introducing Python/Session 03 - Introducing Python.pptx
+++ b/slides/Session 03 - Introducing Python/Session 03 - Introducing Python.pptx
@@ -311,7 +311,7 @@
           <a:p>
             <a:fld id="{A241AC98-512A-4A35-865E-757B6C1F07A2}" type="datetimeFigureOut">
               <a:rPr lang="en-US" smtClean="0"/>
-              <a:t>7/21/2022</a:t>
+              <a:t>2/7/2023</a:t>
             </a:fld>
             <a:endParaRPr lang="en-US"/>
           </a:p>
@@ -477,7 +477,7 @@
           <a:p>
             <a:fld id="{3854CEE7-15DE-41D9-8CA2-D1E137B1D850}" type="datetimeFigureOut">
               <a:rPr lang="en-US" smtClean="0"/>
-              <a:t>7/21/2022</a:t>
+              <a:t>2/7/2023</a:t>
             </a:fld>
             <a:endParaRPr lang="en-US"/>
           </a:p>
@@ -1548,7 +1548,7 @@
           <a:p>
             <a:fld id="{5555EB2C-244D-4423-AD97-018ED6478B87}" type="datetime1">
               <a:rPr lang="en-US" smtClean="0"/>
-              <a:t>7/21/2022</a:t>
+              <a:t>2/7/2023</a:t>
             </a:fld>
             <a:endParaRPr lang="en-US"/>
           </a:p>
@@ -1727,7 +1727,7 @@
           <a:p>
             <a:fld id="{A2B41D1F-7576-4C60-B4EB-5115BC56CF40}" type="datetime1">
               <a:rPr lang="en-US" smtClean="0"/>
-              <a:t>7/21/2022</a:t>
+              <a:t>2/7/2023</a:t>
             </a:fld>
             <a:endParaRPr lang="en-US"/>
           </a:p>
@@ -1919,7 +1919,7 @@
           <a:p>
             <a:fld id="{E79D1398-4D56-44F9-BA35-34ACF3159A64}" type="datetime1">
               <a:rPr lang="en-US" smtClean="0"/>
-              <a:t>7/21/2022</a:t>
+              <a:t>2/7/2023</a:t>
             </a:fld>
             <a:endParaRPr lang="en-US"/>
           </a:p>
@@ -2101,7 +2101,7 @@
           <a:p>
             <a:fld id="{A3CF632E-48CB-4EEB-A6B6-DEC7AD7CC976}" type="datetime1">
               <a:rPr lang="en-US" smtClean="0"/>
-              <a:t>7/21/2022</a:t>
+              <a:t>2/7/2023</a:t>
             </a:fld>
             <a:endParaRPr lang="en-US"/>
           </a:p>
@@ -2354,7 +2354,7 @@
           <a:p>
             <a:fld id="{BAEEE52C-3A57-458E-95F6-96B2FA9D1DD4}" type="datetime1">
               <a:rPr lang="en-US" smtClean="0"/>
-              <a:t>7/21/2022</a:t>
+              <a:t>2/7/2023</a:t>
             </a:fld>
             <a:endParaRPr lang="en-US"/>
           </a:p>
@@ -2598,7 +2598,7 @@
           <a:p>
             <a:fld id="{766FC747-A48A-4FF2-8EE4-3E95ECD1C2A8}" type="datetime1">
               <a:rPr lang="en-US" smtClean="0"/>
-              <a:t>7/21/2022</a:t>
+              <a:t>2/7/2023</a:t>
             </a:fld>
             <a:endParaRPr lang="en-US"/>
           </a:p>
@@ -2977,7 +2977,7 @@
           <a:p>
             <a:fld id="{C9BF5758-AB7F-463D-B638-E1729B95E126}" type="datetime1">
               <a:rPr lang="en-US" smtClean="0"/>
-              <a:t>7/21/2022</a:t>
+              <a:t>2/7/2023</a:t>
             </a:fld>
             <a:endParaRPr lang="en-US"/>
           </a:p>
@@ -3107,7 +3107,7 @@
           <a:p>
             <a:fld id="{F3718C77-7DD0-4738-BF52-D0EC9F78A76E}" type="datetime1">
               <a:rPr lang="en-US" smtClean="0"/>
-              <a:t>7/21/2022</a:t>
+              <a:t>2/7/2023</a:t>
             </a:fld>
             <a:endParaRPr lang="en-US"/>
           </a:p>
@@ -3214,7 +3214,7 @@
           <a:p>
             <a:fld id="{948970CF-13D9-4E1D-A74F-2CFE4953FCDB}" type="datetime1">
               <a:rPr lang="en-US" smtClean="0"/>
-              <a:t>7/21/2022</a:t>
+              <a:t>2/7/2023</a:t>
             </a:fld>
             <a:endParaRPr lang="en-US"/>
           </a:p>
@@ -3503,7 +3503,7 @@
           <a:p>
             <a:fld id="{F68C49B9-4E1C-4967-B9CF-0BF9FECBE837}" type="datetime1">
               <a:rPr lang="en-US" smtClean="0"/>
-              <a:t>7/21/2022</a:t>
+              <a:t>2/7/2023</a:t>
             </a:fld>
             <a:endParaRPr lang="en-US"/>
           </a:p>
@@ -3771,7 +3771,7 @@
           <a:p>
             <a:fld id="{7E338CBB-1F06-4333-9BBF-66628B15E581}" type="datetime1">
               <a:rPr lang="en-US" smtClean="0"/>
-              <a:t>7/21/2022</a:t>
+              <a:t>2/7/2023</a:t>
             </a:fld>
             <a:endParaRPr lang="en-US"/>
           </a:p>
@@ -3996,7 +3996,7 @@
           <a:p>
             <a:fld id="{705EC883-F03C-4CA3-AF62-BEF30EEA4F65}" type="datetime1">
               <a:rPr lang="en-US" smtClean="0"/>
-              <a:t>7/21/2022</a:t>
+              <a:t>2/7/2023</a:t>
             </a:fld>
             <a:endParaRPr lang="en-US"/>
           </a:p>
@@ -11860,8 +11860,8 @@
           </a:p>
         </p:txBody>
       </p:sp>
-      <mc:AlternateContent xmlns:mc="http://schemas.openxmlformats.org/markup-compatibility/2006">
-        <mc:Choice xmlns:a14="http://schemas.microsoft.com/office/drawing/2010/main" Requires="a14">
+      <mc:AlternateContent xmlns:mc="http://schemas.openxmlformats.org/markup-compatibility/2006" xmlns:a14="http://schemas.microsoft.com/office/drawing/2010/main">
+        <mc:Choice Requires="a14">
           <p:sp>
             <p:nvSpPr>
               <p:cNvPr id="3" name="Content Placeholder 2"/>
@@ -12063,7 +12063,7 @@
             </p:txBody>
           </p:sp>
         </mc:Choice>
-        <mc:Fallback>
+        <mc:Fallback xmlns="">
           <p:sp>
             <p:nvSpPr>
               <p:cNvPr id="3" name="Content Placeholder 2"/>
@@ -27126,7 +27126,7 @@
         </p:nvGrpSpPr>
         <p:grpSpPr>
           <a:xfrm>
-            <a:off x="4209855" y="3644150"/>
+            <a:off x="4856746" y="3420334"/>
             <a:ext cx="1076632" cy="369332"/>
             <a:chOff x="2157212" y="5356391"/>
             <a:chExt cx="1076632" cy="369332"/>
@@ -27246,7 +27246,7 @@
         </p:nvGrpSpPr>
         <p:grpSpPr>
           <a:xfrm>
-            <a:off x="6557248" y="5270047"/>
+            <a:off x="4244872" y="3639198"/>
             <a:ext cx="1076632" cy="369332"/>
             <a:chOff x="2157212" y="5356391"/>
             <a:chExt cx="1076632" cy="369332"/>
@@ -27433,6 +27433,126 @@
               <a:extLst>
                 <a:ext uri="{FF2B5EF4-FFF2-40B4-BE49-F238E27FC236}">
                   <a16:creationId xmlns:a16="http://schemas.microsoft.com/office/drawing/2014/main" id="{CE9CF849-0951-E3ED-1794-C41B8C66FBAE}"/>
+                </a:ext>
+              </a:extLst>
+            </p:cNvPr>
+            <p:cNvCxnSpPr>
+              <a:cxnSpLocks/>
+            </p:cNvCxnSpPr>
+            <p:nvPr/>
+          </p:nvCxnSpPr>
+          <p:spPr>
+            <a:xfrm flipH="1">
+              <a:off x="2157212" y="5545146"/>
+              <a:ext cx="693174" cy="0"/>
+            </a:xfrm>
+            <a:prstGeom prst="straightConnector1">
+              <a:avLst/>
+            </a:prstGeom>
+            <a:ln w="38100">
+              <a:solidFill>
+                <a:srgbClr val="FF0000"/>
+              </a:solidFill>
+              <a:tailEnd type="triangle"/>
+            </a:ln>
+          </p:spPr>
+          <p:style>
+            <a:lnRef idx="1">
+              <a:schemeClr val="accent1"/>
+            </a:lnRef>
+            <a:fillRef idx="0">
+              <a:schemeClr val="accent1"/>
+            </a:fillRef>
+            <a:effectRef idx="0">
+              <a:schemeClr val="accent1"/>
+            </a:effectRef>
+            <a:fontRef idx="minor">
+              <a:schemeClr val="tx1"/>
+            </a:fontRef>
+          </p:style>
+        </p:cxnSp>
+      </p:grpSp>
+      <p:grpSp>
+        <p:nvGrpSpPr>
+          <p:cNvPr id="2" name="Group 1">
+            <a:extLst>
+              <a:ext uri="{FF2B5EF4-FFF2-40B4-BE49-F238E27FC236}">
+                <a16:creationId xmlns:a16="http://schemas.microsoft.com/office/drawing/2014/main" id="{67CD8679-3885-B622-7CC8-3928A5AC1685}"/>
+              </a:ext>
+            </a:extLst>
+          </p:cNvPr>
+          <p:cNvGrpSpPr/>
+          <p:nvPr/>
+        </p:nvGrpSpPr>
+        <p:grpSpPr>
+          <a:xfrm>
+            <a:off x="6531735" y="5280791"/>
+            <a:ext cx="1076632" cy="369332"/>
+            <a:chOff x="2157212" y="5356391"/>
+            <a:chExt cx="1076632" cy="369332"/>
+          </a:xfrm>
+        </p:grpSpPr>
+        <p:sp>
+          <p:nvSpPr>
+            <p:cNvPr id="3" name="TextBox 2">
+              <a:extLst>
+                <a:ext uri="{FF2B5EF4-FFF2-40B4-BE49-F238E27FC236}">
+                  <a16:creationId xmlns:a16="http://schemas.microsoft.com/office/drawing/2014/main" id="{CBA395AC-0790-D1A5-1F24-638DD5E8DED1}"/>
+                </a:ext>
+              </a:extLst>
+            </p:cNvPr>
+            <p:cNvSpPr txBox="1"/>
+            <p:nvPr/>
+          </p:nvSpPr>
+          <p:spPr>
+            <a:xfrm>
+              <a:off x="2850386" y="5356391"/>
+              <a:ext cx="383458" cy="369332"/>
+            </a:xfrm>
+            <a:prstGeom prst="rect">
+              <a:avLst/>
+            </a:prstGeom>
+            <a:noFill/>
+          </p:spPr>
+          <p:txBody>
+            <a:bodyPr wrap="square" rtlCol="0">
+              <a:spAutoFit/>
+            </a:bodyPr>
+            <a:lstStyle/>
+            <a:p>
+              <a:r>
+                <a:rPr lang="en-US" dirty="0">
+                  <a:ln>
+                    <a:solidFill>
+                      <a:srgbClr val="FF0000"/>
+                    </a:solidFill>
+                  </a:ln>
+                  <a:solidFill>
+                    <a:srgbClr val="FF0000"/>
+                  </a:solidFill>
+                  <a:sym typeface="Wingdings" panose="05000000000000000000" pitchFamily="2" charset="2"/>
+                </a:rPr>
+                <a:t></a:t>
+              </a:r>
+              <a:endParaRPr lang="en-US" dirty="0">
+                <a:ln>
+                  <a:solidFill>
+                    <a:srgbClr val="FF0000"/>
+                  </a:solidFill>
+                </a:ln>
+                <a:solidFill>
+                  <a:srgbClr val="FF0000"/>
+                </a:solidFill>
+              </a:endParaRPr>
+            </a:p>
+          </p:txBody>
+        </p:sp>
+        <p:cxnSp>
+          <p:nvCxnSpPr>
+            <p:cNvPr id="6" name="Straight Arrow Connector 5">
+              <a:extLst>
+                <a:ext uri="{FF2B5EF4-FFF2-40B4-BE49-F238E27FC236}">
+                  <a16:creationId xmlns:a16="http://schemas.microsoft.com/office/drawing/2014/main" id="{1AF03FDF-A95A-155E-F5BB-61B32DB296A1}"/>
                 </a:ext>
               </a:extLst>
             </p:cNvPr>
@@ -27958,6 +28078,59 @@
                                         <p:cTn id="47" dur="500"/>
                                         <p:tgtEl>
                                           <p:spTgt spid="31"/>
+                                        </p:tgtEl>
+                                      </p:cBhvr>
+                                    </p:animEffect>
+                                  </p:childTnLst>
+                                </p:cTn>
+                              </p:par>
+                            </p:childTnLst>
+                          </p:cTn>
+                        </p:par>
+                      </p:childTnLst>
+                    </p:cTn>
+                  </p:par>
+                  <p:par>
+                    <p:cTn id="48" fill="hold">
+                      <p:stCondLst>
+                        <p:cond delay="indefinite"/>
+                      </p:stCondLst>
+                      <p:childTnLst>
+                        <p:par>
+                          <p:cTn id="49" fill="hold">
+                            <p:stCondLst>
+                              <p:cond delay="0"/>
+                            </p:stCondLst>
+                            <p:childTnLst>
+                              <p:par>
+                                <p:cTn id="50" presetID="22" presetClass="entr" presetSubtype="2" fill="hold" nodeType="clickEffect">
+                                  <p:stCondLst>
+                                    <p:cond delay="0"/>
+                                  </p:stCondLst>
+                                  <p:childTnLst>
+                                    <p:set>
+                                      <p:cBhvr>
+                                        <p:cTn id="51" dur="1" fill="hold">
+                                          <p:stCondLst>
+                                            <p:cond delay="0"/>
+                                          </p:stCondLst>
+                                        </p:cTn>
+                                        <p:tgtEl>
+                                          <p:spTgt spid="2"/>
+                                        </p:tgtEl>
+                                        <p:attrNameLst>
+                                          <p:attrName>style.visibility</p:attrName>
+                                        </p:attrNameLst>
+                                      </p:cBhvr>
+                                      <p:to>
+                                        <p:strVal val="visible"/>
+                                      </p:to>
+                                    </p:set>
+                                    <p:animEffect transition="in" filter="wipe(right)">
+                                      <p:cBhvr>
+                                        <p:cTn id="52" dur="500"/>
+                                        <p:tgtEl>
+                                          <p:spTgt spid="2"/>
                                         </p:tgtEl>
                                       </p:cBhvr>
                                     </p:animEffect>

--- a/slides/Session 03 - Introducing Python/Session 03 - Introducing Python.pptx
+++ b/slides/Session 03 - Introducing Python/Session 03 - Introducing Python.pptx
@@ -311,7 +311,7 @@
           <a:p>
             <a:fld id="{A241AC98-512A-4A35-865E-757B6C1F07A2}" type="datetimeFigureOut">
               <a:rPr lang="en-US" smtClean="0"/>
-              <a:t>2/7/2023</a:t>
+              <a:t>5/23/2023</a:t>
             </a:fld>
             <a:endParaRPr lang="en-US"/>
           </a:p>
@@ -477,7 +477,7 @@
           <a:p>
             <a:fld id="{3854CEE7-15DE-41D9-8CA2-D1E137B1D850}" type="datetimeFigureOut">
               <a:rPr lang="en-US" smtClean="0"/>
-              <a:t>2/7/2023</a:t>
+              <a:t>5/23/2023</a:t>
             </a:fld>
             <a:endParaRPr lang="en-US"/>
           </a:p>
@@ -1548,7 +1548,7 @@
           <a:p>
             <a:fld id="{5555EB2C-244D-4423-AD97-018ED6478B87}" type="datetime1">
               <a:rPr lang="en-US" smtClean="0"/>
-              <a:t>2/7/2023</a:t>
+              <a:t>5/23/2023</a:t>
             </a:fld>
             <a:endParaRPr lang="en-US"/>
           </a:p>
@@ -1727,7 +1727,7 @@
           <a:p>
             <a:fld id="{A2B41D1F-7576-4C60-B4EB-5115BC56CF40}" type="datetime1">
               <a:rPr lang="en-US" smtClean="0"/>
-              <a:t>2/7/2023</a:t>
+              <a:t>5/23/2023</a:t>
             </a:fld>
             <a:endParaRPr lang="en-US"/>
           </a:p>
@@ -1919,7 +1919,7 @@
           <a:p>
             <a:fld id="{E79D1398-4D56-44F9-BA35-34ACF3159A64}" type="datetime1">
               <a:rPr lang="en-US" smtClean="0"/>
-              <a:t>2/7/2023</a:t>
+              <a:t>5/23/2023</a:t>
             </a:fld>
             <a:endParaRPr lang="en-US"/>
           </a:p>
@@ -2101,7 +2101,7 @@
           <a:p>
             <a:fld id="{A3CF632E-48CB-4EEB-A6B6-DEC7AD7CC976}" type="datetime1">
               <a:rPr lang="en-US" smtClean="0"/>
-              <a:t>2/7/2023</a:t>
+              <a:t>5/23/2023</a:t>
             </a:fld>
             <a:endParaRPr lang="en-US"/>
           </a:p>
@@ -2354,7 +2354,7 @@
           <a:p>
             <a:fld id="{BAEEE52C-3A57-458E-95F6-96B2FA9D1DD4}" type="datetime1">
               <a:rPr lang="en-US" smtClean="0"/>
-              <a:t>2/7/2023</a:t>
+              <a:t>5/23/2023</a:t>
             </a:fld>
             <a:endParaRPr lang="en-US"/>
           </a:p>
@@ -2598,7 +2598,7 @@
           <a:p>
             <a:fld id="{766FC747-A48A-4FF2-8EE4-3E95ECD1C2A8}" type="datetime1">
               <a:rPr lang="en-US" smtClean="0"/>
-              <a:t>2/7/2023</a:t>
+              <a:t>5/23/2023</a:t>
             </a:fld>
             <a:endParaRPr lang="en-US"/>
           </a:p>
@@ -2977,7 +2977,7 @@
           <a:p>
             <a:fld id="{C9BF5758-AB7F-463D-B638-E1729B95E126}" type="datetime1">
               <a:rPr lang="en-US" smtClean="0"/>
-              <a:t>2/7/2023</a:t>
+              <a:t>5/23/2023</a:t>
             </a:fld>
             <a:endParaRPr lang="en-US"/>
           </a:p>
@@ -3107,7 +3107,7 @@
           <a:p>
             <a:fld id="{F3718C77-7DD0-4738-BF52-D0EC9F78A76E}" type="datetime1">
               <a:rPr lang="en-US" smtClean="0"/>
-              <a:t>2/7/2023</a:t>
+              <a:t>5/23/2023</a:t>
             </a:fld>
             <a:endParaRPr lang="en-US"/>
           </a:p>
@@ -3214,7 +3214,7 @@
           <a:p>
             <a:fld id="{948970CF-13D9-4E1D-A74F-2CFE4953FCDB}" type="datetime1">
               <a:rPr lang="en-US" smtClean="0"/>
-              <a:t>2/7/2023</a:t>
+              <a:t>5/23/2023</a:t>
             </a:fld>
             <a:endParaRPr lang="en-US"/>
           </a:p>
@@ -3503,7 +3503,7 @@
           <a:p>
             <a:fld id="{F68C49B9-4E1C-4967-B9CF-0BF9FECBE837}" type="datetime1">
               <a:rPr lang="en-US" smtClean="0"/>
-              <a:t>2/7/2023</a:t>
+              <a:t>5/23/2023</a:t>
             </a:fld>
             <a:endParaRPr lang="en-US"/>
           </a:p>
@@ -3771,7 +3771,7 @@
           <a:p>
             <a:fld id="{7E338CBB-1F06-4333-9BBF-66628B15E581}" type="datetime1">
               <a:rPr lang="en-US" smtClean="0"/>
-              <a:t>2/7/2023</a:t>
+              <a:t>5/23/2023</a:t>
             </a:fld>
             <a:endParaRPr lang="en-US"/>
           </a:p>
@@ -3996,7 +3996,7 @@
           <a:p>
             <a:fld id="{705EC883-F03C-4CA3-AF62-BEF30EEA4F65}" type="datetime1">
               <a:rPr lang="en-US" smtClean="0"/>
-              <a:t>2/7/2023</a:t>
+              <a:t>5/23/2023</a:t>
             </a:fld>
             <a:endParaRPr lang="en-US"/>
           </a:p>
@@ -43035,7 +43035,7 @@
             </a:pPr>
             <a:r>
               <a:rPr lang="en-US" sz="2400" dirty="0"/>
-              <a:t>Email your working Python program to your TA</a:t>
+              <a:t>Upload your solution to the BNL QIS101 SharePoint site</a:t>
             </a:r>
           </a:p>
         </p:txBody>
@@ -43063,6 +43063,36 @@
           </a:p>
         </p:txBody>
       </p:sp>
+      <p:pic>
+        <p:nvPicPr>
+          <p:cNvPr id="6" name="Picture 5">
+            <a:extLst>
+              <a:ext uri="{FF2B5EF4-FFF2-40B4-BE49-F238E27FC236}">
+                <a16:creationId xmlns:a16="http://schemas.microsoft.com/office/drawing/2014/main" id="{9129D7F6-553C-56FA-4A4D-4331983812EB}"/>
+              </a:ext>
+            </a:extLst>
+          </p:cNvPr>
+          <p:cNvPicPr>
+            <a:picLocks noChangeAspect="1"/>
+          </p:cNvPicPr>
+          <p:nvPr/>
+        </p:nvPicPr>
+        <p:blipFill>
+          <a:blip r:embed="rId2"/>
+          <a:stretch>
+            <a:fillRect/>
+          </a:stretch>
+        </p:blipFill>
+        <p:spPr>
+          <a:xfrm>
+            <a:off x="696370" y="3706869"/>
+            <a:ext cx="7751261" cy="2702466"/>
+          </a:xfrm>
+          <a:prstGeom prst="rect">
+            <a:avLst/>
+          </a:prstGeom>
+        </p:spPr>
+      </p:pic>
     </p:spTree>
     <p:extLst>
       <p:ext uri="{BB962C8B-B14F-4D97-AF65-F5344CB8AC3E}">
@@ -43073,85 +43103,6 @@
   <p:clrMapOvr>
     <a:masterClrMapping/>
   </p:clrMapOvr>
-  <p:timing>
-    <p:tnLst>
-      <p:par>
-        <p:cTn id="1" dur="indefinite" restart="never" nodeType="tmRoot">
-          <p:childTnLst>
-            <p:seq concurrent="1" nextAc="seek">
-              <p:cTn id="2" dur="indefinite" nodeType="mainSeq">
-                <p:childTnLst>
-                  <p:par>
-                    <p:cTn id="3" fill="hold">
-                      <p:stCondLst>
-                        <p:cond delay="indefinite"/>
-                      </p:stCondLst>
-                      <p:childTnLst>
-                        <p:par>
-                          <p:cTn id="4" fill="hold">
-                            <p:stCondLst>
-                              <p:cond delay="0"/>
-                            </p:stCondLst>
-                            <p:childTnLst>
-                              <p:par>
-                                <p:cTn id="5" presetID="1" presetClass="entr" presetSubtype="0" fill="hold" nodeType="clickEffect">
-                                  <p:stCondLst>
-                                    <p:cond delay="0"/>
-                                  </p:stCondLst>
-                                  <p:childTnLst>
-                                    <p:set>
-                                      <p:cBhvr>
-                                        <p:cTn id="6" dur="1" fill="hold">
-                                          <p:stCondLst>
-                                            <p:cond delay="0"/>
-                                          </p:stCondLst>
-                                        </p:cTn>
-                                        <p:tgtEl>
-                                          <p:spTgt spid="3">
-                                            <p:txEl>
-                                              <p:pRg st="1" end="1"/>
-                                            </p:txEl>
-                                          </p:spTgt>
-                                        </p:tgtEl>
-                                        <p:attrNameLst>
-                                          <p:attrName>style.visibility</p:attrName>
-                                        </p:attrNameLst>
-                                      </p:cBhvr>
-                                      <p:to>
-                                        <p:strVal val="visible"/>
-                                      </p:to>
-                                    </p:set>
-                                  </p:childTnLst>
-                                </p:cTn>
-                              </p:par>
-                            </p:childTnLst>
-                          </p:cTn>
-                        </p:par>
-                      </p:childTnLst>
-                    </p:cTn>
-                  </p:par>
-                </p:childTnLst>
-              </p:cTn>
-              <p:prevCondLst>
-                <p:cond evt="onPrev" delay="0">
-                  <p:tgtEl>
-                    <p:sldTgt/>
-                  </p:tgtEl>
-                </p:cond>
-              </p:prevCondLst>
-              <p:nextCondLst>
-                <p:cond evt="onNext" delay="0">
-                  <p:tgtEl>
-                    <p:sldTgt/>
-                  </p:tgtEl>
-                </p:cond>
-              </p:nextCondLst>
-            </p:seq>
-          </p:childTnLst>
-        </p:cTn>
-      </p:par>
-    </p:tnLst>
-  </p:timing>
 </p:sld>
 </file>
 
